--- a/Documentation/Poster/PosterTemplate.pptx
+++ b/Documentation/Poster/PosterTemplate.pptx
@@ -288,7 +288,7 @@
           <a:p>
             <a:fld id="{6E8BA7B0-7206-DA40-B952-23CF351FFF63}" type="datetimeFigureOut">
               <a:rPr lang="en-US" smtClean="0"/>
-              <a:t>4/21/15</a:t>
+              <a:t>4/23/15</a:t>
             </a:fld>
             <a:endParaRPr lang="en-US"/>
           </a:p>
@@ -458,7 +458,7 @@
           <a:p>
             <a:fld id="{6E8BA7B0-7206-DA40-B952-23CF351FFF63}" type="datetimeFigureOut">
               <a:rPr lang="en-US" smtClean="0"/>
-              <a:t>4/21/15</a:t>
+              <a:t>4/23/15</a:t>
             </a:fld>
             <a:endParaRPr lang="en-US"/>
           </a:p>
@@ -638,7 +638,7 @@
           <a:p>
             <a:fld id="{6E8BA7B0-7206-DA40-B952-23CF351FFF63}" type="datetimeFigureOut">
               <a:rPr lang="en-US" smtClean="0"/>
-              <a:t>4/21/15</a:t>
+              <a:t>4/23/15</a:t>
             </a:fld>
             <a:endParaRPr lang="en-US"/>
           </a:p>
@@ -808,7 +808,7 @@
           <a:p>
             <a:fld id="{6E8BA7B0-7206-DA40-B952-23CF351FFF63}" type="datetimeFigureOut">
               <a:rPr lang="en-US" smtClean="0"/>
-              <a:t>4/21/15</a:t>
+              <a:t>4/23/15</a:t>
             </a:fld>
             <a:endParaRPr lang="en-US"/>
           </a:p>
@@ -1054,7 +1054,7 @@
           <a:p>
             <a:fld id="{6E8BA7B0-7206-DA40-B952-23CF351FFF63}" type="datetimeFigureOut">
               <a:rPr lang="en-US" smtClean="0"/>
-              <a:t>4/21/15</a:t>
+              <a:t>4/23/15</a:t>
             </a:fld>
             <a:endParaRPr lang="en-US"/>
           </a:p>
@@ -1342,7 +1342,7 @@
           <a:p>
             <a:fld id="{6E8BA7B0-7206-DA40-B952-23CF351FFF63}" type="datetimeFigureOut">
               <a:rPr lang="en-US" smtClean="0"/>
-              <a:t>4/21/15</a:t>
+              <a:t>4/23/15</a:t>
             </a:fld>
             <a:endParaRPr lang="en-US"/>
           </a:p>
@@ -1764,7 +1764,7 @@
           <a:p>
             <a:fld id="{6E8BA7B0-7206-DA40-B952-23CF351FFF63}" type="datetimeFigureOut">
               <a:rPr lang="en-US" smtClean="0"/>
-              <a:t>4/21/15</a:t>
+              <a:t>4/23/15</a:t>
             </a:fld>
             <a:endParaRPr lang="en-US"/>
           </a:p>
@@ -1882,7 +1882,7 @@
           <a:p>
             <a:fld id="{6E8BA7B0-7206-DA40-B952-23CF351FFF63}" type="datetimeFigureOut">
               <a:rPr lang="en-US" smtClean="0"/>
-              <a:t>4/21/15</a:t>
+              <a:t>4/23/15</a:t>
             </a:fld>
             <a:endParaRPr lang="en-US"/>
           </a:p>
@@ -1977,7 +1977,7 @@
           <a:p>
             <a:fld id="{6E8BA7B0-7206-DA40-B952-23CF351FFF63}" type="datetimeFigureOut">
               <a:rPr lang="en-US" smtClean="0"/>
-              <a:t>4/21/15</a:t>
+              <a:t>4/23/15</a:t>
             </a:fld>
             <a:endParaRPr lang="en-US"/>
           </a:p>
@@ -2254,7 +2254,7 @@
           <a:p>
             <a:fld id="{6E8BA7B0-7206-DA40-B952-23CF351FFF63}" type="datetimeFigureOut">
               <a:rPr lang="en-US" smtClean="0"/>
-              <a:t>4/21/15</a:t>
+              <a:t>4/23/15</a:t>
             </a:fld>
             <a:endParaRPr lang="en-US"/>
           </a:p>
@@ -2507,7 +2507,7 @@
           <a:p>
             <a:fld id="{6E8BA7B0-7206-DA40-B952-23CF351FFF63}" type="datetimeFigureOut">
               <a:rPr lang="en-US" smtClean="0"/>
-              <a:t>4/21/15</a:t>
+              <a:t>4/23/15</a:t>
             </a:fld>
             <a:endParaRPr lang="en-US"/>
           </a:p>
@@ -2720,7 +2720,7 @@
           <a:p>
             <a:fld id="{6E8BA7B0-7206-DA40-B952-23CF351FFF63}" type="datetimeFigureOut">
               <a:rPr lang="en-US" smtClean="0"/>
-              <a:t>4/21/15</a:t>
+              <a:t>4/23/15</a:t>
             </a:fld>
             <a:endParaRPr lang="en-US"/>
           </a:p>
@@ -3178,7 +3178,7 @@
         <p:spPr>
           <a:xfrm>
             <a:off x="486195" y="3912067"/>
-            <a:ext cx="13334863" cy="12547133"/>
+            <a:ext cx="13334863" cy="9143533"/>
           </a:xfrm>
           <a:prstGeom prst="roundRect">
             <a:avLst/>
@@ -3222,6 +3222,342 @@
         <p:spPr>
           <a:xfrm>
             <a:off x="3662228" y="4216968"/>
+            <a:ext cx="7188135" cy="1366528"/>
+          </a:xfrm>
+          <a:prstGeom prst="rect">
+            <a:avLst/>
+          </a:prstGeom>
+          <a:noFill/>
+        </p:spPr>
+        <p:txBody>
+          <a:bodyPr wrap="none" lIns="438912" tIns="219456" rIns="438912" bIns="219456" rtlCol="0">
+            <a:spAutoFit/>
+          </a:bodyPr>
+          <a:lstStyle/>
+          <a:p>
+            <a:r>
+              <a:rPr lang="en-US" sz="6000" dirty="0" smtClean="0">
+                <a:solidFill>
+                  <a:srgbClr val="FFFFFF"/>
+                </a:solidFill>
+                <a:latin typeface="BlairMdITC TT-Medium"/>
+                <a:cs typeface="BlairMdITC TT-Medium"/>
+              </a:rPr>
+              <a:t>Prior Work</a:t>
+            </a:r>
+            <a:endParaRPr lang="en-US" dirty="0">
+              <a:solidFill>
+                <a:srgbClr val="FFFFFF"/>
+              </a:solidFill>
+              <a:latin typeface="BlairMdITC TT-Medium"/>
+              <a:cs typeface="BlairMdITC TT-Medium"/>
+            </a:endParaRPr>
+          </a:p>
+        </p:txBody>
+      </p:sp>
+      <p:sp>
+        <p:nvSpPr>
+          <p:cNvPr id="11" name="TextBox 10"/>
+          <p:cNvSpPr txBox="1"/>
+          <p:nvPr/>
+        </p:nvSpPr>
+        <p:spPr>
+          <a:xfrm>
+            <a:off x="1419460" y="6181164"/>
+            <a:ext cx="4790840" cy="461665"/>
+          </a:xfrm>
+          <a:prstGeom prst="rect">
+            <a:avLst/>
+          </a:prstGeom>
+          <a:noFill/>
+        </p:spPr>
+        <p:txBody>
+          <a:bodyPr wrap="square" rtlCol="0">
+            <a:spAutoFit/>
+          </a:bodyPr>
+          <a:lstStyle/>
+          <a:p>
+            <a:r>
+              <a:rPr lang="en-US" sz="2400" dirty="0" err="1" smtClean="0"/>
+              <a:t>Haltech</a:t>
+            </a:r>
+            <a:endParaRPr lang="en-US" sz="2400" dirty="0"/>
+          </a:p>
+        </p:txBody>
+      </p:sp>
+      <p:sp>
+        <p:nvSpPr>
+          <p:cNvPr id="13" name="Rounded Rectangle 12"/>
+          <p:cNvSpPr/>
+          <p:nvPr/>
+        </p:nvSpPr>
+        <p:spPr>
+          <a:xfrm>
+            <a:off x="638595" y="13767267"/>
+            <a:ext cx="13334863" cy="9143533"/>
+          </a:xfrm>
+          <a:prstGeom prst="roundRect">
+            <a:avLst/>
+          </a:prstGeom>
+        </p:spPr>
+        <p:style>
+          <a:lnRef idx="2">
+            <a:schemeClr val="accent3">
+              <a:shade val="50000"/>
+            </a:schemeClr>
+          </a:lnRef>
+          <a:fillRef idx="1">
+            <a:schemeClr val="accent3"/>
+          </a:fillRef>
+          <a:effectRef idx="0">
+            <a:schemeClr val="accent3"/>
+          </a:effectRef>
+          <a:fontRef idx="minor">
+            <a:schemeClr val="lt1"/>
+          </a:fontRef>
+        </p:style>
+        <p:txBody>
+          <a:bodyPr lIns="438912" tIns="219456" rIns="438912" bIns="219456" spcCol="0" rtlCol="0" anchor="ctr"/>
+          <a:lstStyle/>
+          <a:p>
+            <a:pPr algn="ctr"/>
+            <a:endParaRPr lang="en-US" dirty="0" smtClean="0"/>
+          </a:p>
+          <a:p>
+            <a:pPr algn="ctr"/>
+            <a:endParaRPr lang="en-US" dirty="0"/>
+          </a:p>
+        </p:txBody>
+      </p:sp>
+      <p:sp>
+        <p:nvSpPr>
+          <p:cNvPr id="14" name="Rounded Rectangle 13"/>
+          <p:cNvSpPr/>
+          <p:nvPr/>
+        </p:nvSpPr>
+        <p:spPr>
+          <a:xfrm>
+            <a:off x="478448" y="23419267"/>
+            <a:ext cx="13334863" cy="9143533"/>
+          </a:xfrm>
+          <a:prstGeom prst="roundRect">
+            <a:avLst/>
+          </a:prstGeom>
+        </p:spPr>
+        <p:style>
+          <a:lnRef idx="2">
+            <a:schemeClr val="accent3">
+              <a:shade val="50000"/>
+            </a:schemeClr>
+          </a:lnRef>
+          <a:fillRef idx="1">
+            <a:schemeClr val="accent3"/>
+          </a:fillRef>
+          <a:effectRef idx="0">
+            <a:schemeClr val="accent3"/>
+          </a:effectRef>
+          <a:fontRef idx="minor">
+            <a:schemeClr val="lt1"/>
+          </a:fontRef>
+        </p:style>
+        <p:txBody>
+          <a:bodyPr lIns="438912" tIns="219456" rIns="438912" bIns="219456" spcCol="0" rtlCol="0" anchor="ctr"/>
+          <a:lstStyle/>
+          <a:p>
+            <a:pPr algn="ctr"/>
+            <a:endParaRPr lang="en-US" dirty="0" smtClean="0"/>
+          </a:p>
+          <a:p>
+            <a:pPr algn="ctr"/>
+            <a:endParaRPr lang="en-US" dirty="0"/>
+          </a:p>
+        </p:txBody>
+      </p:sp>
+      <p:sp>
+        <p:nvSpPr>
+          <p:cNvPr id="15" name="Rounded Rectangle 14"/>
+          <p:cNvSpPr/>
+          <p:nvPr/>
+        </p:nvSpPr>
+        <p:spPr>
+          <a:xfrm>
+            <a:off x="29840848" y="14325600"/>
+            <a:ext cx="13334863" cy="7162800"/>
+          </a:xfrm>
+          <a:prstGeom prst="roundRect">
+            <a:avLst/>
+          </a:prstGeom>
+        </p:spPr>
+        <p:style>
+          <a:lnRef idx="2">
+            <a:schemeClr val="accent3">
+              <a:shade val="50000"/>
+            </a:schemeClr>
+          </a:lnRef>
+          <a:fillRef idx="1">
+            <a:schemeClr val="accent3"/>
+          </a:fillRef>
+          <a:effectRef idx="0">
+            <a:schemeClr val="accent3"/>
+          </a:effectRef>
+          <a:fontRef idx="minor">
+            <a:schemeClr val="lt1"/>
+          </a:fontRef>
+        </p:style>
+        <p:txBody>
+          <a:bodyPr lIns="438912" tIns="219456" rIns="438912" bIns="219456" spcCol="0" rtlCol="0" anchor="ctr"/>
+          <a:lstStyle/>
+          <a:p>
+            <a:pPr algn="ctr"/>
+            <a:endParaRPr lang="en-US" dirty="0" smtClean="0"/>
+          </a:p>
+          <a:p>
+            <a:pPr algn="ctr"/>
+            <a:endParaRPr lang="en-US" dirty="0"/>
+          </a:p>
+        </p:txBody>
+      </p:sp>
+      <p:sp>
+        <p:nvSpPr>
+          <p:cNvPr id="16" name="Rounded Rectangle 15"/>
+          <p:cNvSpPr/>
+          <p:nvPr/>
+        </p:nvSpPr>
+        <p:spPr>
+          <a:xfrm>
+            <a:off x="15278168" y="3912067"/>
+            <a:ext cx="13334863" cy="28650734"/>
+          </a:xfrm>
+          <a:prstGeom prst="roundRect">
+            <a:avLst/>
+          </a:prstGeom>
+        </p:spPr>
+        <p:style>
+          <a:lnRef idx="2">
+            <a:schemeClr val="accent3">
+              <a:shade val="50000"/>
+            </a:schemeClr>
+          </a:lnRef>
+          <a:fillRef idx="1">
+            <a:schemeClr val="accent3"/>
+          </a:fillRef>
+          <a:effectRef idx="0">
+            <a:schemeClr val="accent3"/>
+          </a:effectRef>
+          <a:fontRef idx="minor">
+            <a:schemeClr val="lt1"/>
+          </a:fontRef>
+        </p:style>
+        <p:txBody>
+          <a:bodyPr lIns="438912" tIns="219456" rIns="438912" bIns="219456" spcCol="0" rtlCol="0" anchor="ctr"/>
+          <a:lstStyle/>
+          <a:p>
+            <a:pPr algn="ctr"/>
+            <a:endParaRPr lang="en-US" dirty="0" smtClean="0"/>
+          </a:p>
+          <a:p>
+            <a:pPr algn="ctr"/>
+            <a:endParaRPr lang="en-US" dirty="0"/>
+          </a:p>
+        </p:txBody>
+      </p:sp>
+      <p:sp>
+        <p:nvSpPr>
+          <p:cNvPr id="17" name="Rounded Rectangle 16"/>
+          <p:cNvSpPr/>
+          <p:nvPr/>
+        </p:nvSpPr>
+        <p:spPr>
+          <a:xfrm>
+            <a:off x="29840848" y="4216967"/>
+            <a:ext cx="13334863" cy="9550299"/>
+          </a:xfrm>
+          <a:prstGeom prst="roundRect">
+            <a:avLst/>
+          </a:prstGeom>
+        </p:spPr>
+        <p:style>
+          <a:lnRef idx="2">
+            <a:schemeClr val="accent3">
+              <a:shade val="50000"/>
+            </a:schemeClr>
+          </a:lnRef>
+          <a:fillRef idx="1">
+            <a:schemeClr val="accent3"/>
+          </a:fillRef>
+          <a:effectRef idx="0">
+            <a:schemeClr val="accent3"/>
+          </a:effectRef>
+          <a:fontRef idx="minor">
+            <a:schemeClr val="lt1"/>
+          </a:fontRef>
+        </p:style>
+        <p:txBody>
+          <a:bodyPr lIns="438912" tIns="219456" rIns="438912" bIns="219456" spcCol="0" rtlCol="0" anchor="ctr"/>
+          <a:lstStyle/>
+          <a:p>
+            <a:pPr algn="ctr"/>
+            <a:endParaRPr lang="en-US" dirty="0" smtClean="0"/>
+          </a:p>
+          <a:p>
+            <a:pPr algn="ctr"/>
+            <a:endParaRPr lang="en-US" dirty="0"/>
+          </a:p>
+        </p:txBody>
+      </p:sp>
+      <p:sp>
+        <p:nvSpPr>
+          <p:cNvPr id="18" name="Rounded Rectangle 17"/>
+          <p:cNvSpPr/>
+          <p:nvPr/>
+        </p:nvSpPr>
+        <p:spPr>
+          <a:xfrm>
+            <a:off x="29840848" y="22504400"/>
+            <a:ext cx="13334863" cy="10058401"/>
+          </a:xfrm>
+          <a:prstGeom prst="roundRect">
+            <a:avLst/>
+          </a:prstGeom>
+        </p:spPr>
+        <p:style>
+          <a:lnRef idx="2">
+            <a:schemeClr val="accent3">
+              <a:shade val="50000"/>
+            </a:schemeClr>
+          </a:lnRef>
+          <a:fillRef idx="1">
+            <a:schemeClr val="accent3"/>
+          </a:fillRef>
+          <a:effectRef idx="0">
+            <a:schemeClr val="accent3"/>
+          </a:effectRef>
+          <a:fontRef idx="minor">
+            <a:schemeClr val="lt1"/>
+          </a:fontRef>
+        </p:style>
+        <p:txBody>
+          <a:bodyPr lIns="438912" tIns="219456" rIns="438912" bIns="219456" spcCol="0" rtlCol="0" anchor="ctr"/>
+          <a:lstStyle/>
+          <a:p>
+            <a:pPr algn="ctr"/>
+            <a:endParaRPr lang="en-US" dirty="0" smtClean="0"/>
+          </a:p>
+          <a:p>
+            <a:pPr algn="ctr"/>
+            <a:endParaRPr lang="en-US" dirty="0"/>
+          </a:p>
+        </p:txBody>
+      </p:sp>
+      <p:sp>
+        <p:nvSpPr>
+          <p:cNvPr id="19" name="TextBox 18"/>
+          <p:cNvSpPr txBox="1"/>
+          <p:nvPr/>
+        </p:nvSpPr>
+        <p:spPr>
+          <a:xfrm>
+            <a:off x="3662228" y="14059629"/>
             <a:ext cx="6967304" cy="1366528"/>
           </a:xfrm>
           <a:prstGeom prst="rect">
@@ -3257,7 +3593,7 @@
       </p:sp>
       <p:pic>
         <p:nvPicPr>
-          <p:cNvPr id="10" name="Picture 9" descr="currentLED.png"/>
+          <p:cNvPr id="20" name="Picture 19" descr="currentLED.png"/>
           <p:cNvPicPr>
             <a:picLocks noChangeAspect="1"/>
           </p:cNvPicPr>
@@ -3277,7 +3613,7 @@
         </p:blipFill>
         <p:spPr>
           <a:xfrm>
-            <a:off x="7145880" y="6181164"/>
+            <a:off x="7145880" y="16023825"/>
             <a:ext cx="5188175" cy="3199374"/>
           </a:xfrm>
           <a:prstGeom prst="rect">
@@ -3287,13 +3623,13 @@
       </p:pic>
       <p:sp>
         <p:nvSpPr>
-          <p:cNvPr id="11" name="TextBox 10"/>
+          <p:cNvPr id="21" name="TextBox 20"/>
           <p:cNvSpPr txBox="1"/>
           <p:nvPr/>
         </p:nvSpPr>
         <p:spPr>
           <a:xfrm>
-            <a:off x="1419460" y="6181164"/>
+            <a:off x="1419460" y="16023825"/>
             <a:ext cx="4790840" cy="461665"/>
           </a:xfrm>
           <a:prstGeom prst="rect">
@@ -3312,6 +3648,226 @@
               <a:t>The Viking Motorsports Team</a:t>
             </a:r>
             <a:endParaRPr lang="en-US" sz="2400" dirty="0"/>
+          </a:p>
+        </p:txBody>
+      </p:sp>
+      <p:sp>
+        <p:nvSpPr>
+          <p:cNvPr id="25" name="TextBox 24"/>
+          <p:cNvSpPr txBox="1"/>
+          <p:nvPr/>
+        </p:nvSpPr>
+        <p:spPr>
+          <a:xfrm>
+            <a:off x="17538732" y="4263264"/>
+            <a:ext cx="9498760" cy="1366528"/>
+          </a:xfrm>
+          <a:prstGeom prst="rect">
+            <a:avLst/>
+          </a:prstGeom>
+          <a:noFill/>
+        </p:spPr>
+        <p:txBody>
+          <a:bodyPr wrap="none" lIns="438912" tIns="219456" rIns="438912" bIns="219456" rtlCol="0">
+            <a:spAutoFit/>
+          </a:bodyPr>
+          <a:lstStyle/>
+          <a:p>
+            <a:r>
+              <a:rPr lang="en-US" sz="6000" dirty="0" smtClean="0">
+                <a:solidFill>
+                  <a:srgbClr val="FFFFFF"/>
+                </a:solidFill>
+                <a:latin typeface="BlairMdITC TT-Medium"/>
+                <a:cs typeface="BlairMdITC TT-Medium"/>
+              </a:rPr>
+              <a:t>Implementation</a:t>
+            </a:r>
+            <a:endParaRPr lang="en-US" dirty="0">
+              <a:solidFill>
+                <a:srgbClr val="FFFFFF"/>
+              </a:solidFill>
+              <a:latin typeface="BlairMdITC TT-Medium"/>
+              <a:cs typeface="BlairMdITC TT-Medium"/>
+            </a:endParaRPr>
+          </a:p>
+        </p:txBody>
+      </p:sp>
+      <p:sp>
+        <p:nvSpPr>
+          <p:cNvPr id="26" name="TextBox 25"/>
+          <p:cNvSpPr txBox="1"/>
+          <p:nvPr/>
+        </p:nvSpPr>
+        <p:spPr>
+          <a:xfrm>
+            <a:off x="33700756" y="4415664"/>
+            <a:ext cx="5071385" cy="1366528"/>
+          </a:xfrm>
+          <a:prstGeom prst="rect">
+            <a:avLst/>
+          </a:prstGeom>
+          <a:noFill/>
+        </p:spPr>
+        <p:txBody>
+          <a:bodyPr wrap="none" lIns="438912" tIns="219456" rIns="438912" bIns="219456" rtlCol="0">
+            <a:spAutoFit/>
+          </a:bodyPr>
+          <a:lstStyle/>
+          <a:p>
+            <a:r>
+              <a:rPr lang="en-US" sz="6000" dirty="0" smtClean="0">
+                <a:solidFill>
+                  <a:srgbClr val="FFFFFF"/>
+                </a:solidFill>
+                <a:latin typeface="BlairMdITC TT-Medium"/>
+                <a:cs typeface="BlairMdITC TT-Medium"/>
+              </a:rPr>
+              <a:t>Testing</a:t>
+            </a:r>
+            <a:endParaRPr lang="en-US" dirty="0">
+              <a:solidFill>
+                <a:srgbClr val="FFFFFF"/>
+              </a:solidFill>
+              <a:latin typeface="BlairMdITC TT-Medium"/>
+              <a:cs typeface="BlairMdITC TT-Medium"/>
+            </a:endParaRPr>
+          </a:p>
+        </p:txBody>
+      </p:sp>
+      <p:sp>
+        <p:nvSpPr>
+          <p:cNvPr id="27" name="TextBox 26"/>
+          <p:cNvSpPr txBox="1"/>
+          <p:nvPr/>
+        </p:nvSpPr>
+        <p:spPr>
+          <a:xfrm>
+            <a:off x="29840848" y="14742893"/>
+            <a:ext cx="13592946" cy="1366528"/>
+          </a:xfrm>
+          <a:prstGeom prst="rect">
+            <a:avLst/>
+          </a:prstGeom>
+          <a:noFill/>
+        </p:spPr>
+        <p:txBody>
+          <a:bodyPr wrap="none" lIns="438912" tIns="219456" rIns="438912" bIns="219456" rtlCol="0">
+            <a:spAutoFit/>
+          </a:bodyPr>
+          <a:lstStyle/>
+          <a:p>
+            <a:r>
+              <a:rPr lang="en-US" sz="6000" dirty="0" smtClean="0">
+                <a:solidFill>
+                  <a:srgbClr val="FFFFFF"/>
+                </a:solidFill>
+                <a:latin typeface="BlairMdITC TT-Medium"/>
+                <a:cs typeface="BlairMdITC TT-Medium"/>
+              </a:rPr>
+              <a:t>Further </a:t>
+            </a:r>
+            <a:r>
+              <a:rPr lang="en-US" sz="6000" dirty="0" smtClean="0">
+                <a:solidFill>
+                  <a:srgbClr val="FFFFFF"/>
+                </a:solidFill>
+                <a:latin typeface="BlairMdITC TT-Medium"/>
+                <a:cs typeface="BlairMdITC TT-Medium"/>
+              </a:rPr>
+              <a:t>Improvements</a:t>
+            </a:r>
+            <a:endParaRPr lang="en-US" dirty="0">
+              <a:solidFill>
+                <a:srgbClr val="FFFFFF"/>
+              </a:solidFill>
+              <a:latin typeface="BlairMdITC TT-Medium"/>
+              <a:cs typeface="BlairMdITC TT-Medium"/>
+            </a:endParaRPr>
+          </a:p>
+        </p:txBody>
+      </p:sp>
+      <p:sp>
+        <p:nvSpPr>
+          <p:cNvPr id="28" name="TextBox 27"/>
+          <p:cNvSpPr txBox="1"/>
+          <p:nvPr/>
+        </p:nvSpPr>
+        <p:spPr>
+          <a:xfrm>
+            <a:off x="32236297" y="22910800"/>
+            <a:ext cx="8032987" cy="1366528"/>
+          </a:xfrm>
+          <a:prstGeom prst="rect">
+            <a:avLst/>
+          </a:prstGeom>
+          <a:noFill/>
+        </p:spPr>
+        <p:txBody>
+          <a:bodyPr wrap="none" lIns="438912" tIns="219456" rIns="438912" bIns="219456" rtlCol="0">
+            <a:spAutoFit/>
+          </a:bodyPr>
+          <a:lstStyle/>
+          <a:p>
+            <a:r>
+              <a:rPr lang="en-US" sz="6000" dirty="0" smtClean="0">
+                <a:solidFill>
+                  <a:srgbClr val="FFFFFF"/>
+                </a:solidFill>
+                <a:latin typeface="BlairMdITC TT-Medium"/>
+                <a:cs typeface="BlairMdITC TT-Medium"/>
+              </a:rPr>
+              <a:t>Conclusions</a:t>
+            </a:r>
+            <a:endParaRPr lang="en-US" dirty="0">
+              <a:solidFill>
+                <a:srgbClr val="FFFFFF"/>
+              </a:solidFill>
+              <a:latin typeface="BlairMdITC TT-Medium"/>
+              <a:cs typeface="BlairMdITC TT-Medium"/>
+            </a:endParaRPr>
+          </a:p>
+        </p:txBody>
+      </p:sp>
+      <p:sp>
+        <p:nvSpPr>
+          <p:cNvPr id="29" name="TextBox 28"/>
+          <p:cNvSpPr txBox="1"/>
+          <p:nvPr/>
+        </p:nvSpPr>
+        <p:spPr>
+          <a:xfrm>
+            <a:off x="2558076" y="23746464"/>
+            <a:ext cx="9175608" cy="1366528"/>
+          </a:xfrm>
+          <a:prstGeom prst="rect">
+            <a:avLst/>
+          </a:prstGeom>
+          <a:noFill/>
+        </p:spPr>
+        <p:txBody>
+          <a:bodyPr wrap="none" lIns="438912" tIns="219456" rIns="438912" bIns="219456" rtlCol="0">
+            <a:spAutoFit/>
+          </a:bodyPr>
+          <a:lstStyle/>
+          <a:p>
+            <a:r>
+              <a:rPr lang="en-US" sz="6000" dirty="0" smtClean="0">
+                <a:solidFill>
+                  <a:srgbClr val="FFFFFF"/>
+                </a:solidFill>
+                <a:latin typeface="BlairMdITC TT-Medium"/>
+                <a:cs typeface="BlairMdITC TT-Medium"/>
+              </a:rPr>
+              <a:t>Block Diagram</a:t>
+            </a:r>
+            <a:endParaRPr lang="en-US" dirty="0">
+              <a:solidFill>
+                <a:srgbClr val="FFFFFF"/>
+              </a:solidFill>
+              <a:latin typeface="BlairMdITC TT-Medium"/>
+              <a:cs typeface="BlairMdITC TT-Medium"/>
+            </a:endParaRPr>
           </a:p>
         </p:txBody>
       </p:sp>

--- a/Documentation/Poster/PosterTemplate.pptx
+++ b/Documentation/Poster/PosterTemplate.pptx
@@ -4,6 +4,9 @@
   <p:sldMasterIdLst>
     <p:sldMasterId id="2147483648" r:id="rId1"/>
   </p:sldMasterIdLst>
+  <p:notesMasterIdLst>
+    <p:notesMasterId r:id="rId3"/>
+  </p:notesMasterIdLst>
   <p:sldIdLst>
     <p:sldId id="256" r:id="rId2"/>
   </p:sldIdLst>
@@ -107,6 +110,440 @@
 </p:presentation>
 </file>
 
+<file path=ppt/notesMasters/notesMaster1.xml><?xml version="1.0" encoding="utf-8"?>
+<p:notesMaster xmlns:a="http://schemas.openxmlformats.org/drawingml/2006/main" xmlns:r="http://schemas.openxmlformats.org/officeDocument/2006/relationships" xmlns:p="http://schemas.openxmlformats.org/presentationml/2006/main">
+  <p:cSld>
+    <p:bg>
+      <p:bgRef idx="1001">
+        <a:schemeClr val="bg1"/>
+      </p:bgRef>
+    </p:bg>
+    <p:spTree>
+      <p:nvGrpSpPr>
+        <p:cNvPr id="1" name=""/>
+        <p:cNvGrpSpPr/>
+        <p:nvPr/>
+      </p:nvGrpSpPr>
+      <p:grpSpPr>
+        <a:xfrm>
+          <a:off x="0" y="0"/>
+          <a:ext cx="0" cy="0"/>
+          <a:chOff x="0" y="0"/>
+          <a:chExt cx="0" cy="0"/>
+        </a:xfrm>
+      </p:grpSpPr>
+      <p:sp>
+        <p:nvSpPr>
+          <p:cNvPr id="2" name="Header Placeholder 1"/>
+          <p:cNvSpPr>
+            <a:spLocks noGrp="1"/>
+          </p:cNvSpPr>
+          <p:nvPr>
+            <p:ph type="hdr" sz="quarter"/>
+          </p:nvPr>
+        </p:nvSpPr>
+        <p:spPr>
+          <a:xfrm>
+            <a:off x="0" y="0"/>
+            <a:ext cx="2971800" cy="457200"/>
+          </a:xfrm>
+          <a:prstGeom prst="rect">
+            <a:avLst/>
+          </a:prstGeom>
+        </p:spPr>
+        <p:txBody>
+          <a:bodyPr vert="horz" lIns="91440" tIns="45720" rIns="91440" bIns="45720" rtlCol="0"/>
+          <a:lstStyle>
+            <a:lvl1pPr algn="l">
+              <a:defRPr sz="1200"/>
+            </a:lvl1pPr>
+          </a:lstStyle>
+          <a:p>
+            <a:endParaRPr lang="en-US"/>
+          </a:p>
+        </p:txBody>
+      </p:sp>
+      <p:sp>
+        <p:nvSpPr>
+          <p:cNvPr id="3" name="Date Placeholder 2"/>
+          <p:cNvSpPr>
+            <a:spLocks noGrp="1"/>
+          </p:cNvSpPr>
+          <p:nvPr>
+            <p:ph type="dt" idx="1"/>
+          </p:nvPr>
+        </p:nvSpPr>
+        <p:spPr>
+          <a:xfrm>
+            <a:off x="3884613" y="0"/>
+            <a:ext cx="2971800" cy="457200"/>
+          </a:xfrm>
+          <a:prstGeom prst="rect">
+            <a:avLst/>
+          </a:prstGeom>
+        </p:spPr>
+        <p:txBody>
+          <a:bodyPr vert="horz" lIns="91440" tIns="45720" rIns="91440" bIns="45720" rtlCol="0"/>
+          <a:lstStyle>
+            <a:lvl1pPr algn="r">
+              <a:defRPr sz="1200"/>
+            </a:lvl1pPr>
+          </a:lstStyle>
+          <a:p>
+            <a:fld id="{9D5373D5-638A-4BA9-A8BF-BF5CF7A1CB82}" type="datetimeFigureOut">
+              <a:rPr lang="en-US" smtClean="0"/>
+              <a:t>4/24/2015</a:t>
+            </a:fld>
+            <a:endParaRPr lang="en-US"/>
+          </a:p>
+        </p:txBody>
+      </p:sp>
+      <p:sp>
+        <p:nvSpPr>
+          <p:cNvPr id="4" name="Slide Image Placeholder 3"/>
+          <p:cNvSpPr>
+            <a:spLocks noGrp="1" noRot="1" noChangeAspect="1"/>
+          </p:cNvSpPr>
+          <p:nvPr>
+            <p:ph type="sldImg" idx="2"/>
+          </p:nvPr>
+        </p:nvSpPr>
+        <p:spPr>
+          <a:xfrm>
+            <a:off x="1143000" y="685800"/>
+            <a:ext cx="4572000" cy="3429000"/>
+          </a:xfrm>
+          <a:prstGeom prst="rect">
+            <a:avLst/>
+          </a:prstGeom>
+          <a:noFill/>
+          <a:ln w="12700">
+            <a:solidFill>
+              <a:prstClr val="black"/>
+            </a:solidFill>
+          </a:ln>
+        </p:spPr>
+        <p:txBody>
+          <a:bodyPr vert="horz" lIns="91440" tIns="45720" rIns="91440" bIns="45720" rtlCol="0" anchor="ctr"/>
+          <a:lstStyle/>
+          <a:p>
+            <a:endParaRPr lang="en-US"/>
+          </a:p>
+        </p:txBody>
+      </p:sp>
+      <p:sp>
+        <p:nvSpPr>
+          <p:cNvPr id="5" name="Notes Placeholder 4"/>
+          <p:cNvSpPr>
+            <a:spLocks noGrp="1"/>
+          </p:cNvSpPr>
+          <p:nvPr>
+            <p:ph type="body" sz="quarter" idx="3"/>
+          </p:nvPr>
+        </p:nvSpPr>
+        <p:spPr>
+          <a:xfrm>
+            <a:off x="685800" y="4343400"/>
+            <a:ext cx="5486400" cy="4114800"/>
+          </a:xfrm>
+          <a:prstGeom prst="rect">
+            <a:avLst/>
+          </a:prstGeom>
+        </p:spPr>
+        <p:txBody>
+          <a:bodyPr vert="horz" lIns="91440" tIns="45720" rIns="91440" bIns="45720" rtlCol="0"/>
+          <a:lstStyle/>
+          <a:p>
+            <a:pPr lvl="0"/>
+            <a:r>
+              <a:rPr lang="en-US" smtClean="0"/>
+              <a:t>Click to edit Master text styles</a:t>
+            </a:r>
+          </a:p>
+          <a:p>
+            <a:pPr lvl="1"/>
+            <a:r>
+              <a:rPr lang="en-US" smtClean="0"/>
+              <a:t>Second level</a:t>
+            </a:r>
+          </a:p>
+          <a:p>
+            <a:pPr lvl="2"/>
+            <a:r>
+              <a:rPr lang="en-US" smtClean="0"/>
+              <a:t>Third level</a:t>
+            </a:r>
+          </a:p>
+          <a:p>
+            <a:pPr lvl="3"/>
+            <a:r>
+              <a:rPr lang="en-US" smtClean="0"/>
+              <a:t>Fourth level</a:t>
+            </a:r>
+          </a:p>
+          <a:p>
+            <a:pPr lvl="4"/>
+            <a:r>
+              <a:rPr lang="en-US" smtClean="0"/>
+              <a:t>Fifth level</a:t>
+            </a:r>
+            <a:endParaRPr lang="en-US"/>
+          </a:p>
+        </p:txBody>
+      </p:sp>
+      <p:sp>
+        <p:nvSpPr>
+          <p:cNvPr id="6" name="Footer Placeholder 5"/>
+          <p:cNvSpPr>
+            <a:spLocks noGrp="1"/>
+          </p:cNvSpPr>
+          <p:nvPr>
+            <p:ph type="ftr" sz="quarter" idx="4"/>
+          </p:nvPr>
+        </p:nvSpPr>
+        <p:spPr>
+          <a:xfrm>
+            <a:off x="0" y="8685213"/>
+            <a:ext cx="2971800" cy="457200"/>
+          </a:xfrm>
+          <a:prstGeom prst="rect">
+            <a:avLst/>
+          </a:prstGeom>
+        </p:spPr>
+        <p:txBody>
+          <a:bodyPr vert="horz" lIns="91440" tIns="45720" rIns="91440" bIns="45720" rtlCol="0" anchor="b"/>
+          <a:lstStyle>
+            <a:lvl1pPr algn="l">
+              <a:defRPr sz="1200"/>
+            </a:lvl1pPr>
+          </a:lstStyle>
+          <a:p>
+            <a:endParaRPr lang="en-US"/>
+          </a:p>
+        </p:txBody>
+      </p:sp>
+      <p:sp>
+        <p:nvSpPr>
+          <p:cNvPr id="7" name="Slide Number Placeholder 6"/>
+          <p:cNvSpPr>
+            <a:spLocks noGrp="1"/>
+          </p:cNvSpPr>
+          <p:nvPr>
+            <p:ph type="sldNum" sz="quarter" idx="5"/>
+          </p:nvPr>
+        </p:nvSpPr>
+        <p:spPr>
+          <a:xfrm>
+            <a:off x="3884613" y="8685213"/>
+            <a:ext cx="2971800" cy="457200"/>
+          </a:xfrm>
+          <a:prstGeom prst="rect">
+            <a:avLst/>
+          </a:prstGeom>
+        </p:spPr>
+        <p:txBody>
+          <a:bodyPr vert="horz" lIns="91440" tIns="45720" rIns="91440" bIns="45720" rtlCol="0" anchor="b"/>
+          <a:lstStyle>
+            <a:lvl1pPr algn="r">
+              <a:defRPr sz="1200"/>
+            </a:lvl1pPr>
+          </a:lstStyle>
+          <a:p>
+            <a:fld id="{67BBF331-F5E5-4461-8C06-1C15372F4254}" type="slidenum">
+              <a:rPr lang="en-US" smtClean="0"/>
+              <a:t>‹#›</a:t>
+            </a:fld>
+            <a:endParaRPr lang="en-US"/>
+          </a:p>
+        </p:txBody>
+      </p:sp>
+    </p:spTree>
+    <p:extLst>
+      <p:ext uri="{BB962C8B-B14F-4D97-AF65-F5344CB8AC3E}">
+        <p14:creationId xmlns:p14="http://schemas.microsoft.com/office/powerpoint/2010/main" val="4163261334"/>
+      </p:ext>
+    </p:extLst>
+  </p:cSld>
+  <p:clrMap bg1="lt1" tx1="dk1" bg2="lt2" tx2="dk2" accent1="accent1" accent2="accent2" accent3="accent3" accent4="accent4" accent5="accent5" accent6="accent6" hlink="hlink" folHlink="folHlink"/>
+  <p:notesStyle>
+    <a:lvl1pPr marL="0" algn="l" defTabSz="914400" rtl="0" eaLnBrk="1" latinLnBrk="0" hangingPunct="1">
+      <a:defRPr sz="1200" kern="1200">
+        <a:solidFill>
+          <a:schemeClr val="tx1"/>
+        </a:solidFill>
+        <a:latin typeface="+mn-lt"/>
+        <a:ea typeface="+mn-ea"/>
+        <a:cs typeface="+mn-cs"/>
+      </a:defRPr>
+    </a:lvl1pPr>
+    <a:lvl2pPr marL="457200" algn="l" defTabSz="914400" rtl="0" eaLnBrk="1" latinLnBrk="0" hangingPunct="1">
+      <a:defRPr sz="1200" kern="1200">
+        <a:solidFill>
+          <a:schemeClr val="tx1"/>
+        </a:solidFill>
+        <a:latin typeface="+mn-lt"/>
+        <a:ea typeface="+mn-ea"/>
+        <a:cs typeface="+mn-cs"/>
+      </a:defRPr>
+    </a:lvl2pPr>
+    <a:lvl3pPr marL="914400" algn="l" defTabSz="914400" rtl="0" eaLnBrk="1" latinLnBrk="0" hangingPunct="1">
+      <a:defRPr sz="1200" kern="1200">
+        <a:solidFill>
+          <a:schemeClr val="tx1"/>
+        </a:solidFill>
+        <a:latin typeface="+mn-lt"/>
+        <a:ea typeface="+mn-ea"/>
+        <a:cs typeface="+mn-cs"/>
+      </a:defRPr>
+    </a:lvl3pPr>
+    <a:lvl4pPr marL="1371600" algn="l" defTabSz="914400" rtl="0" eaLnBrk="1" latinLnBrk="0" hangingPunct="1">
+      <a:defRPr sz="1200" kern="1200">
+        <a:solidFill>
+          <a:schemeClr val="tx1"/>
+        </a:solidFill>
+        <a:latin typeface="+mn-lt"/>
+        <a:ea typeface="+mn-ea"/>
+        <a:cs typeface="+mn-cs"/>
+      </a:defRPr>
+    </a:lvl4pPr>
+    <a:lvl5pPr marL="1828800" algn="l" defTabSz="914400" rtl="0" eaLnBrk="1" latinLnBrk="0" hangingPunct="1">
+      <a:defRPr sz="1200" kern="1200">
+        <a:solidFill>
+          <a:schemeClr val="tx1"/>
+        </a:solidFill>
+        <a:latin typeface="+mn-lt"/>
+        <a:ea typeface="+mn-ea"/>
+        <a:cs typeface="+mn-cs"/>
+      </a:defRPr>
+    </a:lvl5pPr>
+    <a:lvl6pPr marL="2286000" algn="l" defTabSz="914400" rtl="0" eaLnBrk="1" latinLnBrk="0" hangingPunct="1">
+      <a:defRPr sz="1200" kern="1200">
+        <a:solidFill>
+          <a:schemeClr val="tx1"/>
+        </a:solidFill>
+        <a:latin typeface="+mn-lt"/>
+        <a:ea typeface="+mn-ea"/>
+        <a:cs typeface="+mn-cs"/>
+      </a:defRPr>
+    </a:lvl6pPr>
+    <a:lvl7pPr marL="2743200" algn="l" defTabSz="914400" rtl="0" eaLnBrk="1" latinLnBrk="0" hangingPunct="1">
+      <a:defRPr sz="1200" kern="1200">
+        <a:solidFill>
+          <a:schemeClr val="tx1"/>
+        </a:solidFill>
+        <a:latin typeface="+mn-lt"/>
+        <a:ea typeface="+mn-ea"/>
+        <a:cs typeface="+mn-cs"/>
+      </a:defRPr>
+    </a:lvl7pPr>
+    <a:lvl8pPr marL="3200400" algn="l" defTabSz="914400" rtl="0" eaLnBrk="1" latinLnBrk="0" hangingPunct="1">
+      <a:defRPr sz="1200" kern="1200">
+        <a:solidFill>
+          <a:schemeClr val="tx1"/>
+        </a:solidFill>
+        <a:latin typeface="+mn-lt"/>
+        <a:ea typeface="+mn-ea"/>
+        <a:cs typeface="+mn-cs"/>
+      </a:defRPr>
+    </a:lvl8pPr>
+    <a:lvl9pPr marL="3657600" algn="l" defTabSz="914400" rtl="0" eaLnBrk="1" latinLnBrk="0" hangingPunct="1">
+      <a:defRPr sz="1200" kern="1200">
+        <a:solidFill>
+          <a:schemeClr val="tx1"/>
+        </a:solidFill>
+        <a:latin typeface="+mn-lt"/>
+        <a:ea typeface="+mn-ea"/>
+        <a:cs typeface="+mn-cs"/>
+      </a:defRPr>
+    </a:lvl9pPr>
+  </p:notesStyle>
+</p:notesMaster>
+</file>
+
+<file path=ppt/notesSlides/notesSlide1.xml><?xml version="1.0" encoding="utf-8"?>
+<p:notes xmlns:a="http://schemas.openxmlformats.org/drawingml/2006/main" xmlns:r="http://schemas.openxmlformats.org/officeDocument/2006/relationships" xmlns:p="http://schemas.openxmlformats.org/presentationml/2006/main">
+  <p:cSld>
+    <p:spTree>
+      <p:nvGrpSpPr>
+        <p:cNvPr id="1" name=""/>
+        <p:cNvGrpSpPr/>
+        <p:nvPr/>
+      </p:nvGrpSpPr>
+      <p:grpSpPr>
+        <a:xfrm>
+          <a:off x="0" y="0"/>
+          <a:ext cx="0" cy="0"/>
+          <a:chOff x="0" y="0"/>
+          <a:chExt cx="0" cy="0"/>
+        </a:xfrm>
+      </p:grpSpPr>
+      <p:sp>
+        <p:nvSpPr>
+          <p:cNvPr id="2" name="Slide Image Placeholder 1"/>
+          <p:cNvSpPr>
+            <a:spLocks noGrp="1" noRot="1" noChangeAspect="1"/>
+          </p:cNvSpPr>
+          <p:nvPr>
+            <p:ph type="sldImg"/>
+          </p:nvPr>
+        </p:nvSpPr>
+        <p:spPr/>
+      </p:sp>
+      <p:sp>
+        <p:nvSpPr>
+          <p:cNvPr id="3" name="Notes Placeholder 2"/>
+          <p:cNvSpPr>
+            <a:spLocks noGrp="1"/>
+          </p:cNvSpPr>
+          <p:nvPr>
+            <p:ph type="body" idx="1"/>
+          </p:nvPr>
+        </p:nvSpPr>
+        <p:spPr/>
+        <p:txBody>
+          <a:bodyPr/>
+          <a:lstStyle/>
+          <a:p>
+            <a:endParaRPr lang="en-US" dirty="0"/>
+          </a:p>
+        </p:txBody>
+      </p:sp>
+      <p:sp>
+        <p:nvSpPr>
+          <p:cNvPr id="4" name="Slide Number Placeholder 3"/>
+          <p:cNvSpPr>
+            <a:spLocks noGrp="1"/>
+          </p:cNvSpPr>
+          <p:nvPr>
+            <p:ph type="sldNum" sz="quarter" idx="10"/>
+          </p:nvPr>
+        </p:nvSpPr>
+        <p:spPr/>
+        <p:txBody>
+          <a:bodyPr/>
+          <a:lstStyle/>
+          <a:p>
+            <a:fld id="{67BBF331-F5E5-4461-8C06-1C15372F4254}" type="slidenum">
+              <a:rPr lang="en-US" smtClean="0"/>
+              <a:t>1</a:t>
+            </a:fld>
+            <a:endParaRPr lang="en-US"/>
+          </a:p>
+        </p:txBody>
+      </p:sp>
+    </p:spTree>
+    <p:extLst>
+      <p:ext uri="{BB962C8B-B14F-4D97-AF65-F5344CB8AC3E}">
+        <p14:creationId xmlns:p14="http://schemas.microsoft.com/office/powerpoint/2010/main" val="797961499"/>
+      </p:ext>
+    </p:extLst>
+  </p:cSld>
+  <p:clrMapOvr>
+    <a:masterClrMapping/>
+  </p:clrMapOvr>
+</p:notes>
+</file>
+
 <file path=ppt/slideLayouts/slideLayout1.xml><?xml version="1.0" encoding="utf-8"?>
 <p:sldLayout xmlns:a="http://schemas.openxmlformats.org/drawingml/2006/main" xmlns:r="http://schemas.openxmlformats.org/officeDocument/2006/relationships" xmlns:p="http://schemas.openxmlformats.org/presentationml/2006/main" type="title" preserve="1">
   <p:cSld name="Title Slide">
@@ -288,7 +725,7 @@
           <a:p>
             <a:fld id="{6E8BA7B0-7206-DA40-B952-23CF351FFF63}" type="datetimeFigureOut">
               <a:rPr lang="en-US" smtClean="0"/>
-              <a:t>4/23/15</a:t>
+              <a:t>4/24/2015</a:t>
             </a:fld>
             <a:endParaRPr lang="en-US"/>
           </a:p>
@@ -458,7 +895,7 @@
           <a:p>
             <a:fld id="{6E8BA7B0-7206-DA40-B952-23CF351FFF63}" type="datetimeFigureOut">
               <a:rPr lang="en-US" smtClean="0"/>
-              <a:t>4/23/15</a:t>
+              <a:t>4/24/2015</a:t>
             </a:fld>
             <a:endParaRPr lang="en-US"/>
           </a:p>
@@ -638,7 +1075,7 @@
           <a:p>
             <a:fld id="{6E8BA7B0-7206-DA40-B952-23CF351FFF63}" type="datetimeFigureOut">
               <a:rPr lang="en-US" smtClean="0"/>
-              <a:t>4/23/15</a:t>
+              <a:t>4/24/2015</a:t>
             </a:fld>
             <a:endParaRPr lang="en-US"/>
           </a:p>
@@ -808,7 +1245,7 @@
           <a:p>
             <a:fld id="{6E8BA7B0-7206-DA40-B952-23CF351FFF63}" type="datetimeFigureOut">
               <a:rPr lang="en-US" smtClean="0"/>
-              <a:t>4/23/15</a:t>
+              <a:t>4/24/2015</a:t>
             </a:fld>
             <a:endParaRPr lang="en-US"/>
           </a:p>
@@ -1054,7 +1491,7 @@
           <a:p>
             <a:fld id="{6E8BA7B0-7206-DA40-B952-23CF351FFF63}" type="datetimeFigureOut">
               <a:rPr lang="en-US" smtClean="0"/>
-              <a:t>4/23/15</a:t>
+              <a:t>4/24/2015</a:t>
             </a:fld>
             <a:endParaRPr lang="en-US"/>
           </a:p>
@@ -1342,7 +1779,7 @@
           <a:p>
             <a:fld id="{6E8BA7B0-7206-DA40-B952-23CF351FFF63}" type="datetimeFigureOut">
               <a:rPr lang="en-US" smtClean="0"/>
-              <a:t>4/23/15</a:t>
+              <a:t>4/24/2015</a:t>
             </a:fld>
             <a:endParaRPr lang="en-US"/>
           </a:p>
@@ -1764,7 +2201,7 @@
           <a:p>
             <a:fld id="{6E8BA7B0-7206-DA40-B952-23CF351FFF63}" type="datetimeFigureOut">
               <a:rPr lang="en-US" smtClean="0"/>
-              <a:t>4/23/15</a:t>
+              <a:t>4/24/2015</a:t>
             </a:fld>
             <a:endParaRPr lang="en-US"/>
           </a:p>
@@ -1882,7 +2319,7 @@
           <a:p>
             <a:fld id="{6E8BA7B0-7206-DA40-B952-23CF351FFF63}" type="datetimeFigureOut">
               <a:rPr lang="en-US" smtClean="0"/>
-              <a:t>4/23/15</a:t>
+              <a:t>4/24/2015</a:t>
             </a:fld>
             <a:endParaRPr lang="en-US"/>
           </a:p>
@@ -1977,7 +2414,7 @@
           <a:p>
             <a:fld id="{6E8BA7B0-7206-DA40-B952-23CF351FFF63}" type="datetimeFigureOut">
               <a:rPr lang="en-US" smtClean="0"/>
-              <a:t>4/23/15</a:t>
+              <a:t>4/24/2015</a:t>
             </a:fld>
             <a:endParaRPr lang="en-US"/>
           </a:p>
@@ -2254,7 +2691,7 @@
           <a:p>
             <a:fld id="{6E8BA7B0-7206-DA40-B952-23CF351FFF63}" type="datetimeFigureOut">
               <a:rPr lang="en-US" smtClean="0"/>
-              <a:t>4/23/15</a:t>
+              <a:t>4/24/2015</a:t>
             </a:fld>
             <a:endParaRPr lang="en-US"/>
           </a:p>
@@ -2507,7 +2944,7 @@
           <a:p>
             <a:fld id="{6E8BA7B0-7206-DA40-B952-23CF351FFF63}" type="datetimeFigureOut">
               <a:rPr lang="en-US" smtClean="0"/>
-              <a:t>4/23/15</a:t>
+              <a:t>4/24/2015</a:t>
             </a:fld>
             <a:endParaRPr lang="en-US"/>
           </a:p>
@@ -2720,7 +3157,7 @@
           <a:p>
             <a:fld id="{6E8BA7B0-7206-DA40-B952-23CF351FFF63}" type="datetimeFigureOut">
               <a:rPr lang="en-US" smtClean="0"/>
-              <a:t>4/23/15</a:t>
+              <a:t>4/24/2015</a:t>
             </a:fld>
             <a:endParaRPr lang="en-US"/>
           </a:p>
@@ -3600,7 +4037,7 @@
           <p:nvPr/>
         </p:nvPicPr>
         <p:blipFill>
-          <a:blip r:embed="rId2">
+          <a:blip r:embed="rId3">
             <a:extLst>
               <a:ext uri="{28A0092B-C50C-407E-A947-70E740481C1C}">
                 <a14:useLocalDpi xmlns:a14="http://schemas.microsoft.com/office/drawing/2010/main" val="0"/>
@@ -3629,8 +4066,8 @@
         </p:nvSpPr>
         <p:spPr>
           <a:xfrm>
-            <a:off x="1419460" y="16023825"/>
-            <a:ext cx="4790840" cy="461665"/>
+            <a:off x="1419460" y="15501054"/>
+            <a:ext cx="4790840" cy="5632311"/>
           </a:xfrm>
           <a:prstGeom prst="rect">
             <a:avLst/>
@@ -3645,7 +4082,16 @@
           <a:p>
             <a:r>
               <a:rPr lang="en-US" sz="2400" dirty="0" smtClean="0"/>
-              <a:t>The Viking Motorsports Team</a:t>
+              <a:t>In the current design of the SAE Electric Race Car, the various messages produced by the vehicle was displayed by simple LEDs. Although this method works, major issues such as a blown LED and low visibility of the LED when on could occur. These issues will prevent the driver to address any dangerous issues that the vehicle may have. </a:t>
+            </a:r>
+          </a:p>
+          <a:p>
+            <a:endParaRPr lang="en-US" sz="2400" dirty="0"/>
+          </a:p>
+          <a:p>
+            <a:r>
+              <a:rPr lang="en-US" sz="2400" dirty="0" smtClean="0"/>
+              <a:t>With an LCD screen integrated into the system. The driver can see all errors clearly and address them appropriately.  </a:t>
             </a:r>
             <a:endParaRPr lang="en-US" sz="2400" dirty="0"/>
           </a:p>
@@ -3765,17 +4211,7 @@
                 <a:latin typeface="BlairMdITC TT-Medium"/>
                 <a:cs typeface="BlairMdITC TT-Medium"/>
               </a:rPr>
-              <a:t>Further </a:t>
-            </a:r>
-            <a:r>
-              <a:rPr lang="en-US" sz="6000" dirty="0" smtClean="0">
-                <a:solidFill>
-                  <a:srgbClr val="FFFFFF"/>
-                </a:solidFill>
-                <a:latin typeface="BlairMdITC TT-Medium"/>
-                <a:cs typeface="BlairMdITC TT-Medium"/>
-              </a:rPr>
-              <a:t>Improvements</a:t>
+              <a:t>Further Improvements</a:t>
             </a:r>
             <a:endParaRPr lang="en-US" dirty="0">
               <a:solidFill>
@@ -4202,4 +4638,289 @@
   </a:objectDefaults>
   <a:extraClrSchemeLst/>
 </a:theme>
+</file>
+
+<file path=ppt/theme/theme2.xml><?xml version="1.0" encoding="utf-8"?>
+<a:theme xmlns:a="http://schemas.openxmlformats.org/drawingml/2006/main" name="Office Theme">
+  <a:themeElements>
+    <a:clrScheme name="Office">
+      <a:dk1>
+        <a:sysClr val="windowText" lastClr="000000"/>
+      </a:dk1>
+      <a:lt1>
+        <a:sysClr val="window" lastClr="FFFFFF"/>
+      </a:lt1>
+      <a:dk2>
+        <a:srgbClr val="1F497D"/>
+      </a:dk2>
+      <a:lt2>
+        <a:srgbClr val="EEECE1"/>
+      </a:lt2>
+      <a:accent1>
+        <a:srgbClr val="4F81BD"/>
+      </a:accent1>
+      <a:accent2>
+        <a:srgbClr val="C0504D"/>
+      </a:accent2>
+      <a:accent3>
+        <a:srgbClr val="9BBB59"/>
+      </a:accent3>
+      <a:accent4>
+        <a:srgbClr val="8064A2"/>
+      </a:accent4>
+      <a:accent5>
+        <a:srgbClr val="4BACC6"/>
+      </a:accent5>
+      <a:accent6>
+        <a:srgbClr val="F79646"/>
+      </a:accent6>
+      <a:hlink>
+        <a:srgbClr val="0000FF"/>
+      </a:hlink>
+      <a:folHlink>
+        <a:srgbClr val="800080"/>
+      </a:folHlink>
+    </a:clrScheme>
+    <a:fontScheme name="Office">
+      <a:majorFont>
+        <a:latin typeface="Calibri"/>
+        <a:ea typeface=""/>
+        <a:cs typeface=""/>
+        <a:font script="Jpan" typeface="ＭＳ Ｐゴシック"/>
+        <a:font script="Hang" typeface="맑은 고딕"/>
+        <a:font script="Hans" typeface="宋体"/>
+        <a:font script="Hant" typeface="新細明體"/>
+        <a:font script="Arab" typeface="Times New Roman"/>
+        <a:font script="Hebr" typeface="Times New Roman"/>
+        <a:font script="Thai" typeface="Angsana New"/>
+        <a:font script="Ethi" typeface="Nyala"/>
+        <a:font script="Beng" typeface="Vrinda"/>
+        <a:font script="Gujr" typeface="Shruti"/>
+        <a:font script="Khmr" typeface="MoolBoran"/>
+        <a:font script="Knda" typeface="Tunga"/>
+        <a:font script="Guru" typeface="Raavi"/>
+        <a:font script="Cans" typeface="Euphemia"/>
+        <a:font script="Cher" typeface="Plantagenet Cherokee"/>
+        <a:font script="Yiii" typeface="Microsoft Yi Baiti"/>
+        <a:font script="Tibt" typeface="Microsoft Himalaya"/>
+        <a:font script="Thaa" typeface="MV Boli"/>
+        <a:font script="Deva" typeface="Mangal"/>
+        <a:font script="Telu" typeface="Gautami"/>
+        <a:font script="Taml" typeface="Latha"/>
+        <a:font script="Syrc" typeface="Estrangelo Edessa"/>
+        <a:font script="Orya" typeface="Kalinga"/>
+        <a:font script="Mlym" typeface="Kartika"/>
+        <a:font script="Laoo" typeface="DokChampa"/>
+        <a:font script="Sinh" typeface="Iskoola Pota"/>
+        <a:font script="Mong" typeface="Mongolian Baiti"/>
+        <a:font script="Viet" typeface="Times New Roman"/>
+        <a:font script="Uigh" typeface="Microsoft Uighur"/>
+        <a:font script="Geor" typeface="Sylfaen"/>
+      </a:majorFont>
+      <a:minorFont>
+        <a:latin typeface="Calibri"/>
+        <a:ea typeface=""/>
+        <a:cs typeface=""/>
+        <a:font script="Jpan" typeface="ＭＳ Ｐゴシック"/>
+        <a:font script="Hang" typeface="맑은 고딕"/>
+        <a:font script="Hans" typeface="宋体"/>
+        <a:font script="Hant" typeface="新細明體"/>
+        <a:font script="Arab" typeface="Arial"/>
+        <a:font script="Hebr" typeface="Arial"/>
+        <a:font script="Thai" typeface="Cordia New"/>
+        <a:font script="Ethi" typeface="Nyala"/>
+        <a:font script="Beng" typeface="Vrinda"/>
+        <a:font script="Gujr" typeface="Shruti"/>
+        <a:font script="Khmr" typeface="DaunPenh"/>
+        <a:font script="Knda" typeface="Tunga"/>
+        <a:font script="Guru" typeface="Raavi"/>
+        <a:font script="Cans" typeface="Euphemia"/>
+        <a:font script="Cher" typeface="Plantagenet Cherokee"/>
+        <a:font script="Yiii" typeface="Microsoft Yi Baiti"/>
+        <a:font script="Tibt" typeface="Microsoft Himalaya"/>
+        <a:font script="Thaa" typeface="MV Boli"/>
+        <a:font script="Deva" typeface="Mangal"/>
+        <a:font script="Telu" typeface="Gautami"/>
+        <a:font script="Taml" typeface="Latha"/>
+        <a:font script="Syrc" typeface="Estrangelo Edessa"/>
+        <a:font script="Orya" typeface="Kalinga"/>
+        <a:font script="Mlym" typeface="Kartika"/>
+        <a:font script="Laoo" typeface="DokChampa"/>
+        <a:font script="Sinh" typeface="Iskoola Pota"/>
+        <a:font script="Mong" typeface="Mongolian Baiti"/>
+        <a:font script="Viet" typeface="Arial"/>
+        <a:font script="Uigh" typeface="Microsoft Uighur"/>
+        <a:font script="Geor" typeface="Sylfaen"/>
+      </a:minorFont>
+    </a:fontScheme>
+    <a:fmtScheme name="Office">
+      <a:fillStyleLst>
+        <a:solidFill>
+          <a:schemeClr val="phClr"/>
+        </a:solidFill>
+        <a:gradFill rotWithShape="1">
+          <a:gsLst>
+            <a:gs pos="0">
+              <a:schemeClr val="phClr">
+                <a:tint val="50000"/>
+                <a:satMod val="300000"/>
+              </a:schemeClr>
+            </a:gs>
+            <a:gs pos="35000">
+              <a:schemeClr val="phClr">
+                <a:tint val="37000"/>
+                <a:satMod val="300000"/>
+              </a:schemeClr>
+            </a:gs>
+            <a:gs pos="100000">
+              <a:schemeClr val="phClr">
+                <a:tint val="15000"/>
+                <a:satMod val="350000"/>
+              </a:schemeClr>
+            </a:gs>
+          </a:gsLst>
+          <a:lin ang="16200000" scaled="1"/>
+        </a:gradFill>
+        <a:gradFill rotWithShape="1">
+          <a:gsLst>
+            <a:gs pos="0">
+              <a:schemeClr val="phClr">
+                <a:shade val="51000"/>
+                <a:satMod val="130000"/>
+              </a:schemeClr>
+            </a:gs>
+            <a:gs pos="80000">
+              <a:schemeClr val="phClr">
+                <a:shade val="93000"/>
+                <a:satMod val="130000"/>
+              </a:schemeClr>
+            </a:gs>
+            <a:gs pos="100000">
+              <a:schemeClr val="phClr">
+                <a:shade val="94000"/>
+                <a:satMod val="135000"/>
+              </a:schemeClr>
+            </a:gs>
+          </a:gsLst>
+          <a:lin ang="16200000" scaled="0"/>
+        </a:gradFill>
+      </a:fillStyleLst>
+      <a:lnStyleLst>
+        <a:ln w="9525" cap="flat" cmpd="sng" algn="ctr">
+          <a:solidFill>
+            <a:schemeClr val="phClr">
+              <a:shade val="95000"/>
+              <a:satMod val="105000"/>
+            </a:schemeClr>
+          </a:solidFill>
+          <a:prstDash val="solid"/>
+        </a:ln>
+        <a:ln w="25400" cap="flat" cmpd="sng" algn="ctr">
+          <a:solidFill>
+            <a:schemeClr val="phClr"/>
+          </a:solidFill>
+          <a:prstDash val="solid"/>
+        </a:ln>
+        <a:ln w="38100" cap="flat" cmpd="sng" algn="ctr">
+          <a:solidFill>
+            <a:schemeClr val="phClr"/>
+          </a:solidFill>
+          <a:prstDash val="solid"/>
+        </a:ln>
+      </a:lnStyleLst>
+      <a:effectStyleLst>
+        <a:effectStyle>
+          <a:effectLst>
+            <a:outerShdw blurRad="40000" dist="20000" dir="5400000" rotWithShape="0">
+              <a:srgbClr val="000000">
+                <a:alpha val="38000"/>
+              </a:srgbClr>
+            </a:outerShdw>
+          </a:effectLst>
+        </a:effectStyle>
+        <a:effectStyle>
+          <a:effectLst>
+            <a:outerShdw blurRad="40000" dist="23000" dir="5400000" rotWithShape="0">
+              <a:srgbClr val="000000">
+                <a:alpha val="35000"/>
+              </a:srgbClr>
+            </a:outerShdw>
+          </a:effectLst>
+        </a:effectStyle>
+        <a:effectStyle>
+          <a:effectLst>
+            <a:outerShdw blurRad="40000" dist="23000" dir="5400000" rotWithShape="0">
+              <a:srgbClr val="000000">
+                <a:alpha val="35000"/>
+              </a:srgbClr>
+            </a:outerShdw>
+          </a:effectLst>
+          <a:scene3d>
+            <a:camera prst="orthographicFront">
+              <a:rot lat="0" lon="0" rev="0"/>
+            </a:camera>
+            <a:lightRig rig="threePt" dir="t">
+              <a:rot lat="0" lon="0" rev="1200000"/>
+            </a:lightRig>
+          </a:scene3d>
+          <a:sp3d>
+            <a:bevelT w="63500" h="25400"/>
+          </a:sp3d>
+        </a:effectStyle>
+      </a:effectStyleLst>
+      <a:bgFillStyleLst>
+        <a:solidFill>
+          <a:schemeClr val="phClr"/>
+        </a:solidFill>
+        <a:gradFill rotWithShape="1">
+          <a:gsLst>
+            <a:gs pos="0">
+              <a:schemeClr val="phClr">
+                <a:tint val="40000"/>
+                <a:satMod val="350000"/>
+              </a:schemeClr>
+            </a:gs>
+            <a:gs pos="40000">
+              <a:schemeClr val="phClr">
+                <a:tint val="45000"/>
+                <a:shade val="99000"/>
+                <a:satMod val="350000"/>
+              </a:schemeClr>
+            </a:gs>
+            <a:gs pos="100000">
+              <a:schemeClr val="phClr">
+                <a:shade val="20000"/>
+                <a:satMod val="255000"/>
+              </a:schemeClr>
+            </a:gs>
+          </a:gsLst>
+          <a:path path="circle">
+            <a:fillToRect l="50000" t="-80000" r="50000" b="180000"/>
+          </a:path>
+        </a:gradFill>
+        <a:gradFill rotWithShape="1">
+          <a:gsLst>
+            <a:gs pos="0">
+              <a:schemeClr val="phClr">
+                <a:tint val="80000"/>
+                <a:satMod val="300000"/>
+              </a:schemeClr>
+            </a:gs>
+            <a:gs pos="100000">
+              <a:schemeClr val="phClr">
+                <a:shade val="30000"/>
+                <a:satMod val="200000"/>
+              </a:schemeClr>
+            </a:gs>
+          </a:gsLst>
+          <a:path path="circle">
+            <a:fillToRect l="50000" t="50000" r="50000" b="50000"/>
+          </a:path>
+        </a:gradFill>
+      </a:bgFillStyleLst>
+    </a:fmtScheme>
+  </a:themeElements>
+  <a:objectDefaults/>
+  <a:extraClrSchemeLst/>
+</a:theme>
 </file>
--- a/Documentation/Poster/PosterTemplate.pptx
+++ b/Documentation/Poster/PosterTemplate.pptx
@@ -3540,8 +3540,8 @@
         </p:nvSpPr>
         <p:spPr>
           <a:xfrm>
-            <a:off x="0" y="0"/>
-            <a:ext cx="43891200" cy="3457667"/>
+            <a:off x="3153104" y="0"/>
+            <a:ext cx="38026427" cy="3457667"/>
           </a:xfrm>
           <a:prstGeom prst="rect">
             <a:avLst/>
@@ -3569,40 +3569,16 @@
           <a:p>
             <a:pPr algn="ctr"/>
             <a:r>
-              <a:rPr lang="en-US" sz="9600" dirty="0">
+              <a:rPr lang="en-US" sz="9600" dirty="0" smtClean="0">
                 <a:latin typeface="BlairMdITC TT-Medium"/>
                 <a:cs typeface="BlairMdITC TT-Medium"/>
               </a:rPr>
-              <a:t>Digital </a:t>
-            </a:r>
-            <a:r>
-              <a:rPr lang="en-US" dirty="0" smtClean="0">
-                <a:latin typeface="BlairMdITC TT-Medium"/>
-                <a:cs typeface="BlairMdITC TT-Medium"/>
-              </a:rPr>
-              <a:t>Dashboard</a:t>
-            </a:r>
-            <a:r>
-              <a:rPr lang="en-US" sz="9600" dirty="0">
-                <a:latin typeface="BlairMdITC TT-Medium"/>
-                <a:cs typeface="BlairMdITC TT-Medium"/>
-              </a:rPr>
-              <a:t> for the Viking Motorsports </a:t>
-            </a:r>
-            <a:r>
-              <a:rPr lang="en-US" dirty="0" smtClean="0">
-                <a:latin typeface="BlairMdITC TT-Medium"/>
-                <a:cs typeface="BlairMdITC TT-Medium"/>
-              </a:rPr>
-              <a:t>Electric</a:t>
-            </a:r>
-            <a:r>
-              <a:rPr lang="en-US" sz="9600" dirty="0">
-                <a:latin typeface="BlairMdITC TT-Medium"/>
-                <a:cs typeface="BlairMdITC TT-Medium"/>
-              </a:rPr>
-              <a:t> Vehicle</a:t>
-            </a:r>
+              <a:t>Digital Dash for SAE Electric Race Car</a:t>
+            </a:r>
+            <a:endParaRPr lang="en-US" sz="9600" dirty="0">
+              <a:latin typeface="BlairMdITC TT-Medium"/>
+              <a:cs typeface="BlairMdITC TT-Medium"/>
+            </a:endParaRPr>
           </a:p>
         </p:txBody>
       </p:sp>
@@ -4036,7 +4012,7 @@
           </p:cNvPicPr>
           <p:nvPr/>
         </p:nvPicPr>
-        <p:blipFill>
+        <p:blipFill rotWithShape="1">
           <a:blip r:embed="rId3">
             <a:extLst>
               <a:ext uri="{28A0092B-C50C-407E-A947-70E740481C1C}">
@@ -4044,14 +4020,13 @@
               </a:ext>
             </a:extLst>
           </a:blip>
-          <a:stretch>
-            <a:fillRect/>
-          </a:stretch>
+          <a:srcRect l="-1" t="1" r="1020" b="2409"/>
+          <a:stretch/>
         </p:blipFill>
         <p:spPr>
           <a:xfrm>
-            <a:off x="7145880" y="16023825"/>
-            <a:ext cx="5188175" cy="3199374"/>
+            <a:off x="7145880" y="15355614"/>
+            <a:ext cx="5135215" cy="3122300"/>
           </a:xfrm>
           <a:prstGeom prst="rect">
             <a:avLst/>
@@ -4307,6 +4282,101 @@
           </a:p>
         </p:txBody>
       </p:sp>
+      <p:pic>
+        <p:nvPicPr>
+          <p:cNvPr id="1026" name="Picture 2" descr="C:\Users\Rishal\Documents\DigitalDash\images\VMS_Logo\VikingMotorsports.jpg"/>
+          <p:cNvPicPr>
+            <a:picLocks noChangeAspect="1" noChangeArrowheads="1"/>
+          </p:cNvPicPr>
+          <p:nvPr/>
+        </p:nvPicPr>
+        <p:blipFill>
+          <a:blip r:embed="rId4">
+            <a:extLst>
+              <a:ext uri="{28A0092B-C50C-407E-A947-70E740481C1C}">
+                <a14:useLocalDpi xmlns:a14="http://schemas.microsoft.com/office/drawing/2010/main" val="0"/>
+              </a:ext>
+            </a:extLst>
+          </a:blip>
+          <a:srcRect/>
+          <a:stretch>
+            <a:fillRect/>
+          </a:stretch>
+        </p:blipFill>
+        <p:spPr bwMode="auto">
+          <a:xfrm>
+            <a:off x="48063" y="1059520"/>
+            <a:ext cx="3105040" cy="2484032"/>
+          </a:xfrm>
+          <a:prstGeom prst="rect">
+            <a:avLst/>
+          </a:prstGeom>
+          <a:noFill/>
+          <a:extLst>
+            <a:ext uri="{909E8E84-426E-40DD-AFC4-6F175D3DCCD1}">
+              <a14:hiddenFill xmlns:a14="http://schemas.microsoft.com/office/drawing/2010/main">
+                <a:solidFill>
+                  <a:srgbClr val="FFFFFF"/>
+                </a:solidFill>
+              </a14:hiddenFill>
+            </a:ext>
+          </a:extLst>
+        </p:spPr>
+      </p:pic>
+      <p:pic>
+        <p:nvPicPr>
+          <p:cNvPr id="1027" name="Picture 3"/>
+          <p:cNvPicPr>
+            <a:picLocks noChangeAspect="1" noChangeArrowheads="1"/>
+          </p:cNvPicPr>
+          <p:nvPr/>
+        </p:nvPicPr>
+        <p:blipFill>
+          <a:blip r:embed="rId5">
+            <a:extLst>
+              <a:ext uri="{28A0092B-C50C-407E-A947-70E740481C1C}">
+                <a14:useLocalDpi xmlns:a14="http://schemas.microsoft.com/office/drawing/2010/main" val="0"/>
+              </a:ext>
+            </a:extLst>
+          </a:blip>
+          <a:srcRect/>
+          <a:stretch>
+            <a:fillRect/>
+          </a:stretch>
+        </p:blipFill>
+        <p:spPr bwMode="auto">
+          <a:xfrm>
+            <a:off x="16532" y="27364"/>
+            <a:ext cx="3136571" cy="1032155"/>
+          </a:xfrm>
+          <a:prstGeom prst="rect">
+            <a:avLst/>
+          </a:prstGeom>
+          <a:noFill/>
+          <a:ln>
+            <a:noFill/>
+          </a:ln>
+          <a:extLst>
+            <a:ext uri="{909E8E84-426E-40DD-AFC4-6F175D3DCCD1}">
+              <a14:hiddenFill xmlns:a14="http://schemas.microsoft.com/office/drawing/2010/main">
+                <a:solidFill>
+                  <a:schemeClr val="accent1"/>
+                </a:solidFill>
+              </a14:hiddenFill>
+            </a:ext>
+            <a:ext uri="{91240B29-F687-4F45-9708-019B960494DF}">
+              <a14:hiddenLine xmlns:a14="http://schemas.microsoft.com/office/drawing/2010/main" w="9525">
+                <a:solidFill>
+                  <a:schemeClr val="tx1"/>
+                </a:solidFill>
+                <a:miter lim="800000"/>
+                <a:headEnd/>
+                <a:tailEnd/>
+              </a14:hiddenLine>
+            </a:ext>
+          </a:extLst>
+        </p:spPr>
+      </p:pic>
     </p:spTree>
     <p:extLst>
       <p:ext uri="{BB962C8B-B14F-4D97-AF65-F5344CB8AC3E}">

--- a/Documentation/Poster/PosterTemplate.pptx
+++ b/Documentation/Poster/PosterTemplate.pptx
@@ -4377,6 +4377,48 @@
           </a:extLst>
         </p:spPr>
       </p:pic>
+      <p:sp>
+        <p:nvSpPr>
+          <p:cNvPr id="2" name="Rectangle 1"/>
+          <p:cNvSpPr/>
+          <p:nvPr/>
+        </p:nvSpPr>
+        <p:spPr>
+          <a:xfrm>
+            <a:off x="7226692" y="19328524"/>
+            <a:ext cx="5054403" cy="3175876"/>
+          </a:xfrm>
+          <a:prstGeom prst="rect">
+            <a:avLst/>
+          </a:prstGeom>
+        </p:spPr>
+        <p:style>
+          <a:lnRef idx="1">
+            <a:schemeClr val="accent1"/>
+          </a:lnRef>
+          <a:fillRef idx="3">
+            <a:schemeClr val="accent1"/>
+          </a:fillRef>
+          <a:effectRef idx="2">
+            <a:schemeClr val="accent1"/>
+          </a:effectRef>
+          <a:fontRef idx="minor">
+            <a:schemeClr val="lt1"/>
+          </a:fontRef>
+        </p:style>
+        <p:txBody>
+          <a:bodyPr rtlCol="0" anchor="ctr"/>
+          <a:lstStyle/>
+          <a:p>
+            <a:pPr algn="ctr"/>
+            <a:r>
+              <a:rPr lang="en-US" sz="3000" dirty="0" smtClean="0"/>
+              <a:t>Picture of LCD screen on Car goes here!!</a:t>
+            </a:r>
+            <a:endParaRPr lang="en-US" sz="3000" dirty="0"/>
+          </a:p>
+        </p:txBody>
+      </p:sp>
     </p:spTree>
     <p:extLst>
       <p:ext uri="{BB962C8B-B14F-4D97-AF65-F5344CB8AC3E}">

--- a/Documentation/Poster/PosterTemplate.pptx
+++ b/Documentation/Poster/PosterTemplate.pptx
@@ -192,7 +192,7 @@
           <a:p>
             <a:fld id="{9D5373D5-638A-4BA9-A8BF-BF5CF7A1CB82}" type="datetimeFigureOut">
               <a:rPr lang="en-US" smtClean="0"/>
-              <a:t>4/24/2015</a:t>
+              <a:t>4/27/15</a:t>
             </a:fld>
             <a:endParaRPr lang="en-US"/>
           </a:p>
@@ -725,7 +725,7 @@
           <a:p>
             <a:fld id="{6E8BA7B0-7206-DA40-B952-23CF351FFF63}" type="datetimeFigureOut">
               <a:rPr lang="en-US" smtClean="0"/>
-              <a:t>4/24/2015</a:t>
+              <a:t>4/27/15</a:t>
             </a:fld>
             <a:endParaRPr lang="en-US"/>
           </a:p>
@@ -895,7 +895,7 @@
           <a:p>
             <a:fld id="{6E8BA7B0-7206-DA40-B952-23CF351FFF63}" type="datetimeFigureOut">
               <a:rPr lang="en-US" smtClean="0"/>
-              <a:t>4/24/2015</a:t>
+              <a:t>4/27/15</a:t>
             </a:fld>
             <a:endParaRPr lang="en-US"/>
           </a:p>
@@ -1075,7 +1075,7 @@
           <a:p>
             <a:fld id="{6E8BA7B0-7206-DA40-B952-23CF351FFF63}" type="datetimeFigureOut">
               <a:rPr lang="en-US" smtClean="0"/>
-              <a:t>4/24/2015</a:t>
+              <a:t>4/27/15</a:t>
             </a:fld>
             <a:endParaRPr lang="en-US"/>
           </a:p>
@@ -1245,7 +1245,7 @@
           <a:p>
             <a:fld id="{6E8BA7B0-7206-DA40-B952-23CF351FFF63}" type="datetimeFigureOut">
               <a:rPr lang="en-US" smtClean="0"/>
-              <a:t>4/24/2015</a:t>
+              <a:t>4/27/15</a:t>
             </a:fld>
             <a:endParaRPr lang="en-US"/>
           </a:p>
@@ -1491,7 +1491,7 @@
           <a:p>
             <a:fld id="{6E8BA7B0-7206-DA40-B952-23CF351FFF63}" type="datetimeFigureOut">
               <a:rPr lang="en-US" smtClean="0"/>
-              <a:t>4/24/2015</a:t>
+              <a:t>4/27/15</a:t>
             </a:fld>
             <a:endParaRPr lang="en-US"/>
           </a:p>
@@ -1779,7 +1779,7 @@
           <a:p>
             <a:fld id="{6E8BA7B0-7206-DA40-B952-23CF351FFF63}" type="datetimeFigureOut">
               <a:rPr lang="en-US" smtClean="0"/>
-              <a:t>4/24/2015</a:t>
+              <a:t>4/27/15</a:t>
             </a:fld>
             <a:endParaRPr lang="en-US"/>
           </a:p>
@@ -2201,7 +2201,7 @@
           <a:p>
             <a:fld id="{6E8BA7B0-7206-DA40-B952-23CF351FFF63}" type="datetimeFigureOut">
               <a:rPr lang="en-US" smtClean="0"/>
-              <a:t>4/24/2015</a:t>
+              <a:t>4/27/15</a:t>
             </a:fld>
             <a:endParaRPr lang="en-US"/>
           </a:p>
@@ -2319,7 +2319,7 @@
           <a:p>
             <a:fld id="{6E8BA7B0-7206-DA40-B952-23CF351FFF63}" type="datetimeFigureOut">
               <a:rPr lang="en-US" smtClean="0"/>
-              <a:t>4/24/2015</a:t>
+              <a:t>4/27/15</a:t>
             </a:fld>
             <a:endParaRPr lang="en-US"/>
           </a:p>
@@ -2414,7 +2414,7 @@
           <a:p>
             <a:fld id="{6E8BA7B0-7206-DA40-B952-23CF351FFF63}" type="datetimeFigureOut">
               <a:rPr lang="en-US" smtClean="0"/>
-              <a:t>4/24/2015</a:t>
+              <a:t>4/27/15</a:t>
             </a:fld>
             <a:endParaRPr lang="en-US"/>
           </a:p>
@@ -2691,7 +2691,7 @@
           <a:p>
             <a:fld id="{6E8BA7B0-7206-DA40-B952-23CF351FFF63}" type="datetimeFigureOut">
               <a:rPr lang="en-US" smtClean="0"/>
-              <a:t>4/24/2015</a:t>
+              <a:t>4/27/15</a:t>
             </a:fld>
             <a:endParaRPr lang="en-US"/>
           </a:p>
@@ -2944,7 +2944,7 @@
           <a:p>
             <a:fld id="{6E8BA7B0-7206-DA40-B952-23CF351FFF63}" type="datetimeFigureOut">
               <a:rPr lang="en-US" smtClean="0"/>
-              <a:t>4/24/2015</a:t>
+              <a:t>4/27/15</a:t>
             </a:fld>
             <a:endParaRPr lang="en-US"/>
           </a:p>
@@ -3157,7 +3157,7 @@
           <a:p>
             <a:fld id="{6E8BA7B0-7206-DA40-B952-23CF351FFF63}" type="datetimeFigureOut">
               <a:rPr lang="en-US" smtClean="0"/>
-              <a:t>4/24/2015</a:t>
+              <a:t>4/27/15</a:t>
             </a:fld>
             <a:endParaRPr lang="en-US"/>
           </a:p>
@@ -3677,7 +3677,7 @@
         <p:spPr>
           <a:xfrm>
             <a:off x="1419460" y="6181164"/>
-            <a:ext cx="4790840" cy="461665"/>
+            <a:ext cx="11010928" cy="1200328"/>
           </a:xfrm>
           <a:prstGeom prst="rect">
             <a:avLst/>
@@ -3691,8 +3691,12 @@
           <a:lstStyle/>
           <a:p>
             <a:r>
-              <a:rPr lang="en-US" sz="2400" dirty="0" err="1" smtClean="0"/>
-              <a:t>Haltech</a:t>
+              <a:rPr lang="en-US" sz="2400" dirty="0" smtClean="0"/>
+              <a:t>The Viking Motorsports team could’ve chosen a number of different </a:t>
+            </a:r>
+            <a:r>
+              <a:rPr lang="en-US" sz="2400" dirty="0" smtClean="0"/>
+              <a:t>solutions for their digital dash. All of these solutions came at the expense of cost and would not be a custom fit for their vehicle.</a:t>
             </a:r>
             <a:endParaRPr lang="en-US" sz="2400" dirty="0"/>
           </a:p>
@@ -3838,8 +3842,8 @@
         </p:nvSpPr>
         <p:spPr>
           <a:xfrm>
-            <a:off x="15278168" y="3912067"/>
-            <a:ext cx="13334863" cy="28650734"/>
+            <a:off x="14556322" y="3912067"/>
+            <a:ext cx="14778556" cy="28650734"/>
           </a:xfrm>
           <a:prstGeom prst="roundRect">
             <a:avLst/>
@@ -4313,7 +4317,7 @@
           </a:prstGeom>
           <a:noFill/>
           <a:extLst>
-            <a:ext uri="{909E8E84-426E-40DD-AFC4-6F175D3DCCD1}">
+            <a:ext uri="{909E8E84-426E-40dd-AFC4-6F175D3DCCD1}">
               <a14:hiddenFill xmlns:a14="http://schemas.microsoft.com/office/drawing/2010/main">
                 <a:solidFill>
                   <a:srgbClr val="FFFFFF"/>
@@ -4357,14 +4361,14 @@
             <a:noFill/>
           </a:ln>
           <a:extLst>
-            <a:ext uri="{909E8E84-426E-40DD-AFC4-6F175D3DCCD1}">
+            <a:ext uri="{909E8E84-426E-40dd-AFC4-6F175D3DCCD1}">
               <a14:hiddenFill xmlns:a14="http://schemas.microsoft.com/office/drawing/2010/main">
                 <a:solidFill>
                   <a:schemeClr val="accent1"/>
                 </a:solidFill>
               </a14:hiddenFill>
             </a:ext>
-            <a:ext uri="{91240B29-F687-4F45-9708-019B960494DF}">
+            <a:ext uri="{91240B29-F687-4f45-9708-019B960494DF}">
               <a14:hiddenLine xmlns:a14="http://schemas.microsoft.com/office/drawing/2010/main" w="9525">
                 <a:solidFill>
                   <a:schemeClr val="tx1"/>
@@ -4416,6 +4420,210 @@
               <a:t>Picture of LCD screen on Car goes here!!</a:t>
             </a:r>
             <a:endParaRPr lang="en-US" sz="3000" dirty="0"/>
+          </a:p>
+        </p:txBody>
+      </p:sp>
+      <p:pic>
+        <p:nvPicPr>
+          <p:cNvPr id="3" name="Picture 2" descr="haltech.jpg"/>
+          <p:cNvPicPr>
+            <a:picLocks noChangeAspect="1"/>
+          </p:cNvPicPr>
+          <p:nvPr/>
+        </p:nvPicPr>
+        <p:blipFill>
+          <a:blip r:embed="rId6">
+            <a:extLst>
+              <a:ext uri="{28A0092B-C50C-407E-A947-70E740481C1C}">
+                <a14:useLocalDpi xmlns:a14="http://schemas.microsoft.com/office/drawing/2010/main" val="0"/>
+              </a:ext>
+            </a:extLst>
+          </a:blip>
+          <a:stretch>
+            <a:fillRect/>
+          </a:stretch>
+        </p:blipFill>
+        <p:spPr>
+          <a:xfrm>
+            <a:off x="8671850" y="9216959"/>
+            <a:ext cx="3915363" cy="3296802"/>
+          </a:xfrm>
+          <a:prstGeom prst="rect">
+            <a:avLst/>
+          </a:prstGeom>
+        </p:spPr>
+      </p:pic>
+      <p:pic>
+        <p:nvPicPr>
+          <p:cNvPr id="4" name="Picture 3" descr="blockdiagram.png"/>
+          <p:cNvPicPr>
+            <a:picLocks noChangeAspect="1"/>
+          </p:cNvPicPr>
+          <p:nvPr/>
+        </p:nvPicPr>
+        <p:blipFill rotWithShape="1">
+          <a:blip r:embed="rId7">
+            <a:extLst>
+              <a:ext uri="{28A0092B-C50C-407E-A947-70E740481C1C}">
+                <a14:useLocalDpi xmlns:a14="http://schemas.microsoft.com/office/drawing/2010/main" val="0"/>
+              </a:ext>
+            </a:extLst>
+          </a:blip>
+          <a:srcRect b="7417"/>
+          <a:stretch/>
+        </p:blipFill>
+        <p:spPr>
+          <a:xfrm>
+            <a:off x="1419460" y="25112992"/>
+            <a:ext cx="6863639" cy="5135568"/>
+          </a:xfrm>
+          <a:prstGeom prst="rect">
+            <a:avLst/>
+          </a:prstGeom>
+        </p:spPr>
+      </p:pic>
+      <p:pic>
+        <p:nvPicPr>
+          <p:cNvPr id="6" name="Picture 5" descr="Top.png"/>
+          <p:cNvPicPr>
+            <a:picLocks noChangeAspect="1"/>
+          </p:cNvPicPr>
+          <p:nvPr/>
+        </p:nvPicPr>
+        <p:blipFill>
+          <a:blip r:embed="rId8">
+            <a:extLst>
+              <a:ext uri="{28A0092B-C50C-407E-A947-70E740481C1C}">
+                <a14:useLocalDpi xmlns:a14="http://schemas.microsoft.com/office/drawing/2010/main" val="0"/>
+              </a:ext>
+            </a:extLst>
+          </a:blip>
+          <a:stretch>
+            <a:fillRect/>
+          </a:stretch>
+        </p:blipFill>
+        <p:spPr>
+          <a:xfrm>
+            <a:off x="21936035" y="5629792"/>
+            <a:ext cx="6350000" cy="4165600"/>
+          </a:xfrm>
+          <a:prstGeom prst="rect">
+            <a:avLst/>
+          </a:prstGeom>
+        </p:spPr>
+      </p:pic>
+      <p:pic>
+        <p:nvPicPr>
+          <p:cNvPr id="10" name="Picture 9" descr="ArduinoDue_Front.jpg"/>
+          <p:cNvPicPr>
+            <a:picLocks noChangeAspect="1"/>
+          </p:cNvPicPr>
+          <p:nvPr/>
+        </p:nvPicPr>
+        <p:blipFill>
+          <a:blip r:embed="rId9">
+            <a:extLst>
+              <a:ext uri="{28A0092B-C50C-407E-A947-70E740481C1C}">
+                <a14:useLocalDpi xmlns:a14="http://schemas.microsoft.com/office/drawing/2010/main" val="0"/>
+              </a:ext>
+            </a:extLst>
+          </a:blip>
+          <a:stretch>
+            <a:fillRect/>
+          </a:stretch>
+        </p:blipFill>
+        <p:spPr>
+          <a:xfrm>
+            <a:off x="20373258" y="9944829"/>
+            <a:ext cx="8089900" cy="4114800"/>
+          </a:xfrm>
+          <a:prstGeom prst="rect">
+            <a:avLst/>
+          </a:prstGeom>
+        </p:spPr>
+      </p:pic>
+      <p:sp>
+        <p:nvSpPr>
+          <p:cNvPr id="23" name="TextBox 22"/>
+          <p:cNvSpPr txBox="1"/>
+          <p:nvPr/>
+        </p:nvSpPr>
+        <p:spPr>
+          <a:xfrm>
+            <a:off x="14874134" y="5443046"/>
+            <a:ext cx="6907908" cy="5262979"/>
+          </a:xfrm>
+          <a:prstGeom prst="rect">
+            <a:avLst/>
+          </a:prstGeom>
+          <a:noFill/>
+        </p:spPr>
+        <p:txBody>
+          <a:bodyPr wrap="square" rtlCol="0">
+            <a:spAutoFit/>
+          </a:bodyPr>
+          <a:lstStyle/>
+          <a:p>
+            <a:pPr algn="just"/>
+            <a:r>
+              <a:rPr lang="en-US" sz="2400" dirty="0" smtClean="0"/>
+              <a:t>The real estate that the digital dash unit took up on the physical dash needed to be minimal. This requirement dictated two large design choices:</a:t>
+            </a:r>
+          </a:p>
+          <a:p>
+            <a:pPr marL="342900" indent="-342900" algn="just">
+              <a:buFont typeface="Arial"/>
+              <a:buChar char="•"/>
+            </a:pPr>
+            <a:r>
+              <a:rPr lang="en-US" sz="2400" dirty="0" smtClean="0"/>
+              <a:t>The 3.5” Display Size</a:t>
+            </a:r>
+          </a:p>
+          <a:p>
+            <a:pPr marL="342900" indent="-342900" algn="just">
+              <a:buFont typeface="Arial"/>
+              <a:buChar char="•"/>
+            </a:pPr>
+            <a:r>
+              <a:rPr lang="en-US" sz="2400" dirty="0" smtClean="0"/>
+              <a:t>The custom PCB to cut down size</a:t>
+            </a:r>
+          </a:p>
+          <a:p>
+            <a:pPr marL="342900" indent="-342900" algn="just">
+              <a:buFont typeface="Arial"/>
+              <a:buChar char="•"/>
+            </a:pPr>
+            <a:endParaRPr lang="en-US" sz="2400" dirty="0"/>
+          </a:p>
+          <a:p>
+            <a:pPr algn="just"/>
+            <a:r>
+              <a:rPr lang="en-US" sz="2400" dirty="0" smtClean="0"/>
+              <a:t>The entire system was first prototyped using an </a:t>
+            </a:r>
+            <a:r>
+              <a:rPr lang="en-US" sz="2400" dirty="0" err="1" smtClean="0"/>
+              <a:t>Arduino</a:t>
+            </a:r>
+            <a:r>
+              <a:rPr lang="en-US" sz="2400" dirty="0" smtClean="0"/>
+              <a:t> Due which was slightly too large for the solution we had in mind. The screen was slightly smaller than the LCD and the </a:t>
+            </a:r>
+            <a:r>
+              <a:rPr lang="en-US" sz="2400" dirty="0" err="1" smtClean="0"/>
+              <a:t>Arduino</a:t>
+            </a:r>
+            <a:r>
+              <a:rPr lang="en-US" sz="2400" dirty="0" smtClean="0"/>
+              <a:t> Due would have a lot of wires plugging into the screen. We wanted our device to be as plug-and-play as possible so we created a custom PCB that would plug directly into the LCD with no “</a:t>
+            </a:r>
+            <a:r>
+              <a:rPr lang="en-US" sz="2400" smtClean="0"/>
+              <a:t>mod wires”.</a:t>
+            </a:r>
+            <a:endParaRPr lang="en-US" sz="2400" dirty="0"/>
           </a:p>
         </p:txBody>
       </p:sp>

--- a/Documentation/Poster/PosterTemplate.pptx
+++ b/Documentation/Poster/PosterTemplate.pptx
@@ -192,7 +192,7 @@
           <a:p>
             <a:fld id="{9D5373D5-638A-4BA9-A8BF-BF5CF7A1CB82}" type="datetimeFigureOut">
               <a:rPr lang="en-US" smtClean="0"/>
-              <a:t>4/27/15</a:t>
+              <a:t>5/1/15</a:t>
             </a:fld>
             <a:endParaRPr lang="en-US"/>
           </a:p>
@@ -725,7 +725,7 @@
           <a:p>
             <a:fld id="{6E8BA7B0-7206-DA40-B952-23CF351FFF63}" type="datetimeFigureOut">
               <a:rPr lang="en-US" smtClean="0"/>
-              <a:t>4/27/15</a:t>
+              <a:t>5/1/15</a:t>
             </a:fld>
             <a:endParaRPr lang="en-US"/>
           </a:p>
@@ -895,7 +895,7 @@
           <a:p>
             <a:fld id="{6E8BA7B0-7206-DA40-B952-23CF351FFF63}" type="datetimeFigureOut">
               <a:rPr lang="en-US" smtClean="0"/>
-              <a:t>4/27/15</a:t>
+              <a:t>5/1/15</a:t>
             </a:fld>
             <a:endParaRPr lang="en-US"/>
           </a:p>
@@ -1075,7 +1075,7 @@
           <a:p>
             <a:fld id="{6E8BA7B0-7206-DA40-B952-23CF351FFF63}" type="datetimeFigureOut">
               <a:rPr lang="en-US" smtClean="0"/>
-              <a:t>4/27/15</a:t>
+              <a:t>5/1/15</a:t>
             </a:fld>
             <a:endParaRPr lang="en-US"/>
           </a:p>
@@ -1245,7 +1245,7 @@
           <a:p>
             <a:fld id="{6E8BA7B0-7206-DA40-B952-23CF351FFF63}" type="datetimeFigureOut">
               <a:rPr lang="en-US" smtClean="0"/>
-              <a:t>4/27/15</a:t>
+              <a:t>5/1/15</a:t>
             </a:fld>
             <a:endParaRPr lang="en-US"/>
           </a:p>
@@ -1491,7 +1491,7 @@
           <a:p>
             <a:fld id="{6E8BA7B0-7206-DA40-B952-23CF351FFF63}" type="datetimeFigureOut">
               <a:rPr lang="en-US" smtClean="0"/>
-              <a:t>4/27/15</a:t>
+              <a:t>5/1/15</a:t>
             </a:fld>
             <a:endParaRPr lang="en-US"/>
           </a:p>
@@ -1779,7 +1779,7 @@
           <a:p>
             <a:fld id="{6E8BA7B0-7206-DA40-B952-23CF351FFF63}" type="datetimeFigureOut">
               <a:rPr lang="en-US" smtClean="0"/>
-              <a:t>4/27/15</a:t>
+              <a:t>5/1/15</a:t>
             </a:fld>
             <a:endParaRPr lang="en-US"/>
           </a:p>
@@ -2201,7 +2201,7 @@
           <a:p>
             <a:fld id="{6E8BA7B0-7206-DA40-B952-23CF351FFF63}" type="datetimeFigureOut">
               <a:rPr lang="en-US" smtClean="0"/>
-              <a:t>4/27/15</a:t>
+              <a:t>5/1/15</a:t>
             </a:fld>
             <a:endParaRPr lang="en-US"/>
           </a:p>
@@ -2319,7 +2319,7 @@
           <a:p>
             <a:fld id="{6E8BA7B0-7206-DA40-B952-23CF351FFF63}" type="datetimeFigureOut">
               <a:rPr lang="en-US" smtClean="0"/>
-              <a:t>4/27/15</a:t>
+              <a:t>5/1/15</a:t>
             </a:fld>
             <a:endParaRPr lang="en-US"/>
           </a:p>
@@ -2414,7 +2414,7 @@
           <a:p>
             <a:fld id="{6E8BA7B0-7206-DA40-B952-23CF351FFF63}" type="datetimeFigureOut">
               <a:rPr lang="en-US" smtClean="0"/>
-              <a:t>4/27/15</a:t>
+              <a:t>5/1/15</a:t>
             </a:fld>
             <a:endParaRPr lang="en-US"/>
           </a:p>
@@ -2691,7 +2691,7 @@
           <a:p>
             <a:fld id="{6E8BA7B0-7206-DA40-B952-23CF351FFF63}" type="datetimeFigureOut">
               <a:rPr lang="en-US" smtClean="0"/>
-              <a:t>4/27/15</a:t>
+              <a:t>5/1/15</a:t>
             </a:fld>
             <a:endParaRPr lang="en-US"/>
           </a:p>
@@ -2944,7 +2944,7 @@
           <a:p>
             <a:fld id="{6E8BA7B0-7206-DA40-B952-23CF351FFF63}" type="datetimeFigureOut">
               <a:rPr lang="en-US" smtClean="0"/>
-              <a:t>4/27/15</a:t>
+              <a:t>5/1/15</a:t>
             </a:fld>
             <a:endParaRPr lang="en-US"/>
           </a:p>
@@ -3157,7 +3157,7 @@
           <a:p>
             <a:fld id="{6E8BA7B0-7206-DA40-B952-23CF351FFF63}" type="datetimeFigureOut">
               <a:rPr lang="en-US" smtClean="0"/>
-              <a:t>4/27/15</a:t>
+              <a:t>5/1/15</a:t>
             </a:fld>
             <a:endParaRPr lang="en-US"/>
           </a:p>
@@ -3677,7 +3677,7 @@
         <p:spPr>
           <a:xfrm>
             <a:off x="1419460" y="6181164"/>
-            <a:ext cx="11010928" cy="1200328"/>
+            <a:ext cx="11010928" cy="2554545"/>
           </a:xfrm>
           <a:prstGeom prst="rect">
             <a:avLst/>
@@ -3691,14 +3691,10 @@
           <a:lstStyle/>
           <a:p>
             <a:r>
-              <a:rPr lang="en-US" sz="2400" dirty="0" smtClean="0"/>
-              <a:t>The Viking Motorsports team could’ve chosen a number of different </a:t>
-            </a:r>
-            <a:r>
-              <a:rPr lang="en-US" sz="2400" dirty="0" smtClean="0"/>
-              <a:t>solutions for their digital dash. All of these solutions came at the expense of cost and would not be a custom fit for their vehicle.</a:t>
-            </a:r>
-            <a:endParaRPr lang="en-US" sz="2400" dirty="0"/>
+              <a:rPr lang="en-US" sz="4000" dirty="0" smtClean="0"/>
+              <a:t>The Viking Motorsports team could’ve chosen a number of different solutions for their digital dash. All of these solutions came at the expense of cost and would not be a custom fit for their vehicle.</a:t>
+            </a:r>
+            <a:endParaRPr lang="en-US" sz="4000" dirty="0"/>
           </a:p>
         </p:txBody>
       </p:sp>
@@ -4622,6 +4618,40 @@
             <a:r>
               <a:rPr lang="en-US" sz="2400" smtClean="0"/>
               <a:t>mod wires”.</a:t>
+            </a:r>
+            <a:endParaRPr lang="en-US" sz="2400" dirty="0"/>
+          </a:p>
+        </p:txBody>
+      </p:sp>
+      <p:sp>
+        <p:nvSpPr>
+          <p:cNvPr id="12" name="TextBox 11"/>
+          <p:cNvSpPr txBox="1"/>
+          <p:nvPr/>
+        </p:nvSpPr>
+        <p:spPr>
+          <a:xfrm>
+            <a:off x="30623080" y="16109421"/>
+            <a:ext cx="7585430" cy="461665"/>
+          </a:xfrm>
+          <a:prstGeom prst="rect">
+            <a:avLst/>
+          </a:prstGeom>
+          <a:noFill/>
+        </p:spPr>
+        <p:txBody>
+          <a:bodyPr wrap="none" rtlCol="0">
+            <a:spAutoFit/>
+          </a:bodyPr>
+          <a:lstStyle/>
+          <a:p>
+            <a:r>
+              <a:rPr lang="en-US" sz="2400" dirty="0" smtClean="0"/>
+              <a:t>The digital dash can be installed on the VMS </a:t>
+            </a:r>
+            <a:r>
+              <a:rPr lang="en-US" sz="2400" smtClean="0"/>
+              <a:t>car if it works.</a:t>
             </a:r>
             <a:endParaRPr lang="en-US" sz="2400" dirty="0"/>
           </a:p>

--- a/Documentation/Poster/PosterTemplate.pptx
+++ b/Documentation/Poster/PosterTemplate.pptx
@@ -192,7 +192,7 @@
           <a:p>
             <a:fld id="{9D5373D5-638A-4BA9-A8BF-BF5CF7A1CB82}" type="datetimeFigureOut">
               <a:rPr lang="en-US" smtClean="0"/>
-              <a:t>5/1/15</a:t>
+              <a:t>5/15/15</a:t>
             </a:fld>
             <a:endParaRPr lang="en-US"/>
           </a:p>
@@ -725,7 +725,7 @@
           <a:p>
             <a:fld id="{6E8BA7B0-7206-DA40-B952-23CF351FFF63}" type="datetimeFigureOut">
               <a:rPr lang="en-US" smtClean="0"/>
-              <a:t>5/1/15</a:t>
+              <a:t>5/15/15</a:t>
             </a:fld>
             <a:endParaRPr lang="en-US"/>
           </a:p>
@@ -895,7 +895,7 @@
           <a:p>
             <a:fld id="{6E8BA7B0-7206-DA40-B952-23CF351FFF63}" type="datetimeFigureOut">
               <a:rPr lang="en-US" smtClean="0"/>
-              <a:t>5/1/15</a:t>
+              <a:t>5/15/15</a:t>
             </a:fld>
             <a:endParaRPr lang="en-US"/>
           </a:p>
@@ -1075,7 +1075,7 @@
           <a:p>
             <a:fld id="{6E8BA7B0-7206-DA40-B952-23CF351FFF63}" type="datetimeFigureOut">
               <a:rPr lang="en-US" smtClean="0"/>
-              <a:t>5/1/15</a:t>
+              <a:t>5/15/15</a:t>
             </a:fld>
             <a:endParaRPr lang="en-US"/>
           </a:p>
@@ -1245,7 +1245,7 @@
           <a:p>
             <a:fld id="{6E8BA7B0-7206-DA40-B952-23CF351FFF63}" type="datetimeFigureOut">
               <a:rPr lang="en-US" smtClean="0"/>
-              <a:t>5/1/15</a:t>
+              <a:t>5/15/15</a:t>
             </a:fld>
             <a:endParaRPr lang="en-US"/>
           </a:p>
@@ -1491,7 +1491,7 @@
           <a:p>
             <a:fld id="{6E8BA7B0-7206-DA40-B952-23CF351FFF63}" type="datetimeFigureOut">
               <a:rPr lang="en-US" smtClean="0"/>
-              <a:t>5/1/15</a:t>
+              <a:t>5/15/15</a:t>
             </a:fld>
             <a:endParaRPr lang="en-US"/>
           </a:p>
@@ -1779,7 +1779,7 @@
           <a:p>
             <a:fld id="{6E8BA7B0-7206-DA40-B952-23CF351FFF63}" type="datetimeFigureOut">
               <a:rPr lang="en-US" smtClean="0"/>
-              <a:t>5/1/15</a:t>
+              <a:t>5/15/15</a:t>
             </a:fld>
             <a:endParaRPr lang="en-US"/>
           </a:p>
@@ -2201,7 +2201,7 @@
           <a:p>
             <a:fld id="{6E8BA7B0-7206-DA40-B952-23CF351FFF63}" type="datetimeFigureOut">
               <a:rPr lang="en-US" smtClean="0"/>
-              <a:t>5/1/15</a:t>
+              <a:t>5/15/15</a:t>
             </a:fld>
             <a:endParaRPr lang="en-US"/>
           </a:p>
@@ -2319,7 +2319,7 @@
           <a:p>
             <a:fld id="{6E8BA7B0-7206-DA40-B952-23CF351FFF63}" type="datetimeFigureOut">
               <a:rPr lang="en-US" smtClean="0"/>
-              <a:t>5/1/15</a:t>
+              <a:t>5/15/15</a:t>
             </a:fld>
             <a:endParaRPr lang="en-US"/>
           </a:p>
@@ -2414,7 +2414,7 @@
           <a:p>
             <a:fld id="{6E8BA7B0-7206-DA40-B952-23CF351FFF63}" type="datetimeFigureOut">
               <a:rPr lang="en-US" smtClean="0"/>
-              <a:t>5/1/15</a:t>
+              <a:t>5/15/15</a:t>
             </a:fld>
             <a:endParaRPr lang="en-US"/>
           </a:p>
@@ -2691,7 +2691,7 @@
           <a:p>
             <a:fld id="{6E8BA7B0-7206-DA40-B952-23CF351FFF63}" type="datetimeFigureOut">
               <a:rPr lang="en-US" smtClean="0"/>
-              <a:t>5/1/15</a:t>
+              <a:t>5/15/15</a:t>
             </a:fld>
             <a:endParaRPr lang="en-US"/>
           </a:p>
@@ -2944,7 +2944,7 @@
           <a:p>
             <a:fld id="{6E8BA7B0-7206-DA40-B952-23CF351FFF63}" type="datetimeFigureOut">
               <a:rPr lang="en-US" smtClean="0"/>
-              <a:t>5/1/15</a:t>
+              <a:t>5/15/15</a:t>
             </a:fld>
             <a:endParaRPr lang="en-US"/>
           </a:p>
@@ -3157,7 +3157,7 @@
           <a:p>
             <a:fld id="{6E8BA7B0-7206-DA40-B952-23CF351FFF63}" type="datetimeFigureOut">
               <a:rPr lang="en-US" smtClean="0"/>
-              <a:t>5/1/15</a:t>
+              <a:t>5/15/15</a:t>
             </a:fld>
             <a:endParaRPr lang="en-US"/>
           </a:p>
@@ -3591,7 +3591,7 @@
         <p:spPr>
           <a:xfrm>
             <a:off x="486195" y="3912067"/>
-            <a:ext cx="13334863" cy="9143533"/>
+            <a:ext cx="13334863" cy="9372133"/>
           </a:xfrm>
           <a:prstGeom prst="roundRect">
             <a:avLst/>
@@ -3795,7 +3795,7 @@
         <p:spPr>
           <a:xfrm>
             <a:off x="29840848" y="14325600"/>
-            <a:ext cx="13334863" cy="7162800"/>
+            <a:ext cx="13334863" cy="7696200"/>
           </a:xfrm>
           <a:prstGeom prst="roundRect">
             <a:avLst/>
@@ -4041,7 +4041,7 @@
         </p:nvSpPr>
         <p:spPr>
           <a:xfrm>
-            <a:off x="1419460" y="15501054"/>
+            <a:off x="1266808" y="25407054"/>
             <a:ext cx="4790840" cy="5632311"/>
           </a:xfrm>
           <a:prstGeom prst="rect">
@@ -4122,8 +4122,8 @@
         </p:nvSpPr>
         <p:spPr>
           <a:xfrm>
-            <a:off x="33700756" y="4415664"/>
-            <a:ext cx="5071385" cy="1366528"/>
+            <a:off x="32363297" y="4437128"/>
+            <a:ext cx="8456171" cy="1366528"/>
           </a:xfrm>
           <a:prstGeom prst="rect">
             <a:avLst/>
@@ -4144,7 +4144,7 @@
                 <a:latin typeface="BlairMdITC TT-Medium"/>
                 <a:cs typeface="BlairMdITC TT-Medium"/>
               </a:rPr>
-              <a:t>Testing</a:t>
+              <a:t>Performance</a:t>
             </a:r>
             <a:endParaRPr lang="en-US" dirty="0">
               <a:solidFill>
@@ -4248,8 +4248,8 @@
         </p:nvSpPr>
         <p:spPr>
           <a:xfrm>
-            <a:off x="2558076" y="23746464"/>
-            <a:ext cx="9175608" cy="1366528"/>
+            <a:off x="4082076" y="23746464"/>
+            <a:ext cx="5872385" cy="1366528"/>
           </a:xfrm>
           <a:prstGeom prst="rect">
             <a:avLst/>
@@ -4270,7 +4270,7 @@
                 <a:latin typeface="BlairMdITC TT-Medium"/>
                 <a:cs typeface="BlairMdITC TT-Medium"/>
               </a:rPr>
-              <a:t>Block Diagram</a:t>
+              <a:t>Solution</a:t>
             </a:r>
             <a:endParaRPr lang="en-US" dirty="0">
               <a:solidFill>
@@ -4451,13 +4451,13 @@
       </p:pic>
       <p:pic>
         <p:nvPicPr>
-          <p:cNvPr id="4" name="Picture 3" descr="blockdiagram.png"/>
+          <p:cNvPr id="6" name="Picture 5" descr="Top.png"/>
           <p:cNvPicPr>
             <a:picLocks noChangeAspect="1"/>
           </p:cNvPicPr>
           <p:nvPr/>
         </p:nvPicPr>
-        <p:blipFill rotWithShape="1">
+        <p:blipFill>
           <a:blip r:embed="rId7">
             <a:extLst>
               <a:ext uri="{28A0092B-C50C-407E-A947-70E740481C1C}">
@@ -4465,13 +4465,14 @@
               </a:ext>
             </a:extLst>
           </a:blip>
-          <a:srcRect b="7417"/>
-          <a:stretch/>
+          <a:stretch>
+            <a:fillRect/>
+          </a:stretch>
         </p:blipFill>
         <p:spPr>
           <a:xfrm>
-            <a:off x="1419460" y="25112992"/>
-            <a:ext cx="6863639" cy="5135568"/>
+            <a:off x="21936035" y="12969640"/>
+            <a:ext cx="6350000" cy="4165601"/>
           </a:xfrm>
           <a:prstGeom prst="rect">
             <a:avLst/>
@@ -4480,7 +4481,7 @@
       </p:pic>
       <p:pic>
         <p:nvPicPr>
-          <p:cNvPr id="6" name="Picture 5" descr="Top.png"/>
+          <p:cNvPr id="10" name="Picture 9" descr="ArduinoDue_Front.jpg"/>
           <p:cNvPicPr>
             <a:picLocks noChangeAspect="1"/>
           </p:cNvPicPr>
@@ -4500,17 +4501,286 @@
         </p:blipFill>
         <p:spPr>
           <a:xfrm>
-            <a:off x="21936035" y="5629792"/>
-            <a:ext cx="6350000" cy="4165600"/>
+            <a:off x="20373258" y="17513277"/>
+            <a:ext cx="8089901" cy="4114800"/>
           </a:xfrm>
           <a:prstGeom prst="rect">
             <a:avLst/>
           </a:prstGeom>
         </p:spPr>
       </p:pic>
+      <p:sp>
+        <p:nvSpPr>
+          <p:cNvPr id="23" name="TextBox 22"/>
+          <p:cNvSpPr txBox="1"/>
+          <p:nvPr/>
+        </p:nvSpPr>
+        <p:spPr>
+          <a:xfrm>
+            <a:off x="14874134" y="12630494"/>
+            <a:ext cx="6907908" cy="5262979"/>
+          </a:xfrm>
+          <a:prstGeom prst="rect">
+            <a:avLst/>
+          </a:prstGeom>
+          <a:noFill/>
+        </p:spPr>
+        <p:txBody>
+          <a:bodyPr wrap="square" rtlCol="0">
+            <a:spAutoFit/>
+          </a:bodyPr>
+          <a:lstStyle/>
+          <a:p>
+            <a:pPr algn="just"/>
+            <a:r>
+              <a:rPr lang="en-US" sz="2400" dirty="0" smtClean="0"/>
+              <a:t>The real estate that the digital dash unit took up on the physical dash needed to be minimal. This requirement dictated two large design choices:</a:t>
+            </a:r>
+          </a:p>
+          <a:p>
+            <a:pPr marL="342900" indent="-342900" algn="just">
+              <a:buFont typeface="Arial"/>
+              <a:buChar char="•"/>
+            </a:pPr>
+            <a:r>
+              <a:rPr lang="en-US" sz="2400" dirty="0" smtClean="0"/>
+              <a:t>The 3.5” Display Size</a:t>
+            </a:r>
+          </a:p>
+          <a:p>
+            <a:pPr marL="342900" indent="-342900" algn="just">
+              <a:buFont typeface="Arial"/>
+              <a:buChar char="•"/>
+            </a:pPr>
+            <a:r>
+              <a:rPr lang="en-US" sz="2400" dirty="0" smtClean="0"/>
+              <a:t>The custom PCB to cut down size</a:t>
+            </a:r>
+          </a:p>
+          <a:p>
+            <a:pPr marL="342900" indent="-342900" algn="just">
+              <a:buFont typeface="Arial"/>
+              <a:buChar char="•"/>
+            </a:pPr>
+            <a:endParaRPr lang="en-US" sz="2400" dirty="0"/>
+          </a:p>
+          <a:p>
+            <a:pPr algn="just"/>
+            <a:r>
+              <a:rPr lang="en-US" sz="2400" dirty="0" smtClean="0"/>
+              <a:t>The entire system was first prototyped using an </a:t>
+            </a:r>
+            <a:r>
+              <a:rPr lang="en-US" sz="2400" dirty="0" err="1" smtClean="0"/>
+              <a:t>Arduino</a:t>
+            </a:r>
+            <a:r>
+              <a:rPr lang="en-US" sz="2400" dirty="0" smtClean="0"/>
+              <a:t> Due which was slightly too large for the solution we had in mind. The screen was slightly smaller than the LCD and the </a:t>
+            </a:r>
+            <a:r>
+              <a:rPr lang="en-US" sz="2400" dirty="0" err="1" smtClean="0"/>
+              <a:t>Arduino</a:t>
+            </a:r>
+            <a:r>
+              <a:rPr lang="en-US" sz="2400" dirty="0" smtClean="0"/>
+              <a:t> Due would have a lot of wires plugging into the screen. We wanted our device to be as plug-and-play as possible so we created a custom PCB that would plug directly into the LCD with no “mod wires”.</a:t>
+            </a:r>
+            <a:endParaRPr lang="en-US" sz="2400" dirty="0"/>
+          </a:p>
+        </p:txBody>
+      </p:sp>
+      <p:sp>
+        <p:nvSpPr>
+          <p:cNvPr id="12" name="TextBox 11"/>
+          <p:cNvSpPr txBox="1"/>
+          <p:nvPr/>
+        </p:nvSpPr>
+        <p:spPr>
+          <a:xfrm>
+            <a:off x="30623080" y="16109421"/>
+            <a:ext cx="7585430" cy="461665"/>
+          </a:xfrm>
+          <a:prstGeom prst="rect">
+            <a:avLst/>
+          </a:prstGeom>
+          <a:noFill/>
+        </p:spPr>
+        <p:txBody>
+          <a:bodyPr wrap="none" rtlCol="0">
+            <a:spAutoFit/>
+          </a:bodyPr>
+          <a:lstStyle/>
+          <a:p>
+            <a:r>
+              <a:rPr lang="en-US" sz="2400" dirty="0" smtClean="0"/>
+              <a:t>The digital dash can be installed on the VMS </a:t>
+            </a:r>
+            <a:r>
+              <a:rPr lang="en-US" sz="2400" smtClean="0"/>
+              <a:t>car if it works.</a:t>
+            </a:r>
+            <a:endParaRPr lang="en-US" sz="2400" dirty="0"/>
+          </a:p>
+        </p:txBody>
+      </p:sp>
+      <p:sp>
+        <p:nvSpPr>
+          <p:cNvPr id="7" name="TextBox 6"/>
+          <p:cNvSpPr txBox="1"/>
+          <p:nvPr/>
+        </p:nvSpPr>
+        <p:spPr>
+          <a:xfrm>
+            <a:off x="15470638" y="11736390"/>
+            <a:ext cx="4313327" cy="769441"/>
+          </a:xfrm>
+          <a:prstGeom prst="rect">
+            <a:avLst/>
+          </a:prstGeom>
+          <a:noFill/>
+        </p:spPr>
+        <p:txBody>
+          <a:bodyPr wrap="none" rtlCol="0">
+            <a:spAutoFit/>
+          </a:bodyPr>
+          <a:lstStyle/>
+          <a:p>
+            <a:r>
+              <a:rPr lang="en-US" sz="4400" dirty="0" smtClean="0">
+                <a:latin typeface="BlairMdITC TT-Medium"/>
+                <a:cs typeface="BlairMdITC TT-Medium"/>
+              </a:rPr>
+              <a:t>Hardware</a:t>
+            </a:r>
+            <a:endParaRPr lang="en-US" sz="8000" dirty="0">
+              <a:latin typeface="BlairMdITC TT-Medium"/>
+              <a:cs typeface="BlairMdITC TT-Medium"/>
+            </a:endParaRPr>
+          </a:p>
+        </p:txBody>
+      </p:sp>
+      <p:sp>
+        <p:nvSpPr>
+          <p:cNvPr id="22" name="TextBox 21"/>
+          <p:cNvSpPr txBox="1"/>
+          <p:nvPr/>
+        </p:nvSpPr>
+        <p:spPr>
+          <a:xfrm>
+            <a:off x="15519400" y="21234400"/>
+            <a:ext cx="4138409" cy="769441"/>
+          </a:xfrm>
+          <a:prstGeom prst="rect">
+            <a:avLst/>
+          </a:prstGeom>
+          <a:noFill/>
+        </p:spPr>
+        <p:txBody>
+          <a:bodyPr wrap="none" rtlCol="0">
+            <a:spAutoFit/>
+          </a:bodyPr>
+          <a:lstStyle/>
+          <a:p>
+            <a:r>
+              <a:rPr lang="en-US" sz="4400" dirty="0" smtClean="0">
+                <a:latin typeface="BlairMdITC TT-Medium"/>
+                <a:cs typeface="BlairMdITC TT-Medium"/>
+              </a:rPr>
+              <a:t>Software</a:t>
+            </a:r>
+            <a:endParaRPr lang="en-US" sz="4400" dirty="0">
+              <a:latin typeface="BlairMdITC TT-Medium"/>
+              <a:cs typeface="BlairMdITC TT-Medium"/>
+            </a:endParaRPr>
+          </a:p>
+        </p:txBody>
+      </p:sp>
+      <p:sp>
+        <p:nvSpPr>
+          <p:cNvPr id="31" name="TextBox 30"/>
+          <p:cNvSpPr txBox="1"/>
+          <p:nvPr/>
+        </p:nvSpPr>
+        <p:spPr>
+          <a:xfrm>
+            <a:off x="15332406" y="22220535"/>
+            <a:ext cx="13130753" cy="1569660"/>
+          </a:xfrm>
+          <a:prstGeom prst="rect">
+            <a:avLst/>
+          </a:prstGeom>
+          <a:noFill/>
+        </p:spPr>
+        <p:txBody>
+          <a:bodyPr wrap="square" rtlCol="0">
+            <a:spAutoFit/>
+          </a:bodyPr>
+          <a:lstStyle/>
+          <a:p>
+            <a:r>
+              <a:rPr lang="en-US" sz="2400" dirty="0" smtClean="0"/>
+              <a:t>The software portion of the digital dash was created using the </a:t>
+            </a:r>
+            <a:r>
+              <a:rPr lang="en-US" sz="2400" dirty="0" err="1" smtClean="0"/>
+              <a:t>Arduino</a:t>
+            </a:r>
+            <a:r>
+              <a:rPr lang="en-US" sz="2400" dirty="0" smtClean="0"/>
+              <a:t> IDE. In order to interface with the CAN bus and the 4D systems screen the use of two separate </a:t>
+            </a:r>
+            <a:r>
+              <a:rPr lang="en-US" sz="2400" dirty="0" err="1" smtClean="0"/>
+              <a:t>Arduino</a:t>
+            </a:r>
+            <a:r>
+              <a:rPr lang="en-US" sz="2400" dirty="0" smtClean="0"/>
+              <a:t> libraries were used. The software sniffs the CAN bus looking for pertinent CAN messages and scales them to their correct values and sends the data to the screen.</a:t>
+            </a:r>
+            <a:endParaRPr lang="en-US" sz="2400" dirty="0"/>
+          </a:p>
+        </p:txBody>
+      </p:sp>
+      <p:sp>
+        <p:nvSpPr>
+          <p:cNvPr id="34" name="TextBox 33"/>
+          <p:cNvSpPr txBox="1"/>
+          <p:nvPr/>
+        </p:nvSpPr>
+        <p:spPr>
+          <a:xfrm>
+            <a:off x="15519400" y="24917400"/>
+            <a:ext cx="3174102" cy="769441"/>
+          </a:xfrm>
+          <a:prstGeom prst="rect">
+            <a:avLst/>
+          </a:prstGeom>
+          <a:noFill/>
+        </p:spPr>
+        <p:txBody>
+          <a:bodyPr wrap="none" rtlCol="0">
+            <a:spAutoFit/>
+          </a:bodyPr>
+          <a:lstStyle/>
+          <a:p>
+            <a:r>
+              <a:rPr lang="en-US" sz="4400" dirty="0" smtClean="0">
+                <a:latin typeface="BlairMdITC TT-Medium"/>
+                <a:cs typeface="BlairMdITC TT-Medium"/>
+              </a:rPr>
+              <a:t>Screen</a:t>
+            </a:r>
+            <a:endParaRPr lang="en-US" sz="4400" dirty="0">
+              <a:latin typeface="BlairMdITC TT-Medium"/>
+              <a:cs typeface="BlairMdITC TT-Medium"/>
+            </a:endParaRPr>
+          </a:p>
+        </p:txBody>
+      </p:sp>
       <p:pic>
         <p:nvPicPr>
-          <p:cNvPr id="10" name="Picture 9" descr="ArduinoDue_Front.jpg"/>
+          <p:cNvPr id="45" name="Picture 44" descr="electric car.jpg"/>
           <p:cNvPicPr>
             <a:picLocks noChangeAspect="1"/>
           </p:cNvPicPr>
@@ -4530,8 +4800,8 @@
         </p:blipFill>
         <p:spPr>
           <a:xfrm>
-            <a:off x="20373258" y="9944829"/>
-            <a:ext cx="8089900" cy="4114800"/>
+            <a:off x="15019108" y="9216959"/>
+            <a:ext cx="3819368" cy="2396615"/>
           </a:xfrm>
           <a:prstGeom prst="rect">
             <a:avLst/>
@@ -4540,14 +4810,319 @@
       </p:pic>
       <p:sp>
         <p:nvSpPr>
-          <p:cNvPr id="23" name="TextBox 22"/>
+          <p:cNvPr id="46" name="Up Arrow 45"/>
+          <p:cNvSpPr/>
+          <p:nvPr/>
+        </p:nvSpPr>
+        <p:spPr>
+          <a:xfrm>
+            <a:off x="16250005" y="7592656"/>
+            <a:ext cx="1318879" cy="1624303"/>
+          </a:xfrm>
+          <a:prstGeom prst="upArrow">
+            <a:avLst/>
+          </a:prstGeom>
+        </p:spPr>
+        <p:style>
+          <a:lnRef idx="1">
+            <a:schemeClr val="accent1"/>
+          </a:lnRef>
+          <a:fillRef idx="3">
+            <a:schemeClr val="accent1"/>
+          </a:fillRef>
+          <a:effectRef idx="2">
+            <a:schemeClr val="accent1"/>
+          </a:effectRef>
+          <a:fontRef idx="minor">
+            <a:schemeClr val="lt1"/>
+          </a:fontRef>
+        </p:style>
+        <p:txBody>
+          <a:bodyPr rtlCol="0" anchor="ctr"/>
+          <a:lstStyle/>
+          <a:p>
+            <a:pPr algn="ctr"/>
+            <a:endParaRPr lang="en-US"/>
+          </a:p>
+        </p:txBody>
+      </p:sp>
+      <p:sp>
+        <p:nvSpPr>
+          <p:cNvPr id="47" name="Alternate Process 46"/>
+          <p:cNvSpPr/>
+          <p:nvPr/>
+        </p:nvSpPr>
+        <p:spPr>
+          <a:xfrm>
+            <a:off x="15019108" y="5653488"/>
+            <a:ext cx="3376327" cy="1729322"/>
+          </a:xfrm>
+          <a:prstGeom prst="flowChartAlternateProcess">
+            <a:avLst/>
+          </a:prstGeom>
+        </p:spPr>
+        <p:style>
+          <a:lnRef idx="1">
+            <a:schemeClr val="accent1"/>
+          </a:lnRef>
+          <a:fillRef idx="3">
+            <a:schemeClr val="accent1"/>
+          </a:fillRef>
+          <a:effectRef idx="2">
+            <a:schemeClr val="accent1"/>
+          </a:effectRef>
+          <a:fontRef idx="minor">
+            <a:schemeClr val="lt1"/>
+          </a:fontRef>
+        </p:style>
+        <p:txBody>
+          <a:bodyPr rtlCol="0" anchor="ctr"/>
+          <a:lstStyle/>
+          <a:p>
+            <a:pPr algn="ctr"/>
+            <a:r>
+              <a:rPr lang="en-US" sz="3200" dirty="0" smtClean="0"/>
+              <a:t>CAN Transceivers</a:t>
+            </a:r>
+            <a:endParaRPr lang="en-US" sz="3200" dirty="0"/>
+          </a:p>
+        </p:txBody>
+      </p:sp>
+      <p:sp>
+        <p:nvSpPr>
+          <p:cNvPr id="48" name="Up Arrow 47"/>
+          <p:cNvSpPr/>
+          <p:nvPr/>
+        </p:nvSpPr>
+        <p:spPr>
+          <a:xfrm rot="5400000">
+            <a:off x="18692278" y="5650944"/>
+            <a:ext cx="1318878" cy="1624302"/>
+          </a:xfrm>
+          <a:prstGeom prst="upArrow">
+            <a:avLst/>
+          </a:prstGeom>
+        </p:spPr>
+        <p:style>
+          <a:lnRef idx="1">
+            <a:schemeClr val="accent1"/>
+          </a:lnRef>
+          <a:fillRef idx="3">
+            <a:schemeClr val="accent1"/>
+          </a:fillRef>
+          <a:effectRef idx="2">
+            <a:schemeClr val="accent1"/>
+          </a:effectRef>
+          <a:fontRef idx="minor">
+            <a:schemeClr val="lt1"/>
+          </a:fontRef>
+        </p:style>
+        <p:txBody>
+          <a:bodyPr rtlCol="0" anchor="ctr"/>
+          <a:lstStyle/>
+          <a:p>
+            <a:pPr algn="ctr"/>
+            <a:endParaRPr lang="en-US"/>
+          </a:p>
+        </p:txBody>
+      </p:sp>
+      <p:sp>
+        <p:nvSpPr>
+          <p:cNvPr id="52" name="Up Arrow 51"/>
+          <p:cNvSpPr/>
+          <p:nvPr/>
+        </p:nvSpPr>
+        <p:spPr>
+          <a:xfrm rot="10800000">
+            <a:off x="26540514" y="7594120"/>
+            <a:ext cx="1318879" cy="1624303"/>
+          </a:xfrm>
+          <a:prstGeom prst="upArrow">
+            <a:avLst/>
+          </a:prstGeom>
+        </p:spPr>
+        <p:style>
+          <a:lnRef idx="1">
+            <a:schemeClr val="accent1"/>
+          </a:lnRef>
+          <a:fillRef idx="3">
+            <a:schemeClr val="accent1"/>
+          </a:fillRef>
+          <a:effectRef idx="2">
+            <a:schemeClr val="accent1"/>
+          </a:effectRef>
+          <a:fontRef idx="minor">
+            <a:schemeClr val="lt1"/>
+          </a:fontRef>
+        </p:style>
+        <p:txBody>
+          <a:bodyPr rtlCol="0" anchor="ctr"/>
+          <a:lstStyle/>
+          <a:p>
+            <a:pPr algn="ctr"/>
+            <a:endParaRPr lang="en-US"/>
+          </a:p>
+        </p:txBody>
+      </p:sp>
+      <p:pic>
+        <p:nvPicPr>
+          <p:cNvPr id="53" name="Picture 52" descr="EV1.JPG"/>
+          <p:cNvPicPr>
+            <a:picLocks noChangeAspect="1"/>
+          </p:cNvPicPr>
+          <p:nvPr/>
+        </p:nvPicPr>
+        <p:blipFill rotWithShape="1">
+          <a:blip r:embed="rId10">
+            <a:extLst>
+              <a:ext uri="{28A0092B-C50C-407E-A947-70E740481C1C}">
+                <a14:useLocalDpi xmlns:a14="http://schemas.microsoft.com/office/drawing/2010/main" val="0"/>
+              </a:ext>
+            </a:extLst>
+          </a:blip>
+          <a:srcRect l="34578"/>
+          <a:stretch/>
+        </p:blipFill>
+        <p:spPr>
+          <a:xfrm rot="5400000">
+            <a:off x="25733373" y="9077779"/>
+            <a:ext cx="2972809" cy="3408032"/>
+          </a:xfrm>
+          <a:prstGeom prst="rect">
+            <a:avLst/>
+          </a:prstGeom>
+        </p:spPr>
+      </p:pic>
+      <p:sp>
+        <p:nvSpPr>
+          <p:cNvPr id="55" name="Up Arrow 54"/>
+          <p:cNvSpPr/>
+          <p:nvPr/>
+        </p:nvSpPr>
+        <p:spPr>
+          <a:xfrm rot="5400000">
+            <a:off x="23911912" y="5650944"/>
+            <a:ext cx="1318878" cy="1624302"/>
+          </a:xfrm>
+          <a:prstGeom prst="upArrow">
+            <a:avLst/>
+          </a:prstGeom>
+        </p:spPr>
+        <p:style>
+          <a:lnRef idx="1">
+            <a:schemeClr val="accent1"/>
+          </a:lnRef>
+          <a:fillRef idx="3">
+            <a:schemeClr val="accent1"/>
+          </a:fillRef>
+          <a:effectRef idx="2">
+            <a:schemeClr val="accent1"/>
+          </a:effectRef>
+          <a:fontRef idx="minor">
+            <a:schemeClr val="lt1"/>
+          </a:fontRef>
+        </p:style>
+        <p:txBody>
+          <a:bodyPr rtlCol="0" anchor="ctr"/>
+          <a:lstStyle/>
+          <a:p>
+            <a:pPr algn="ctr"/>
+            <a:endParaRPr lang="en-US"/>
+          </a:p>
+        </p:txBody>
+      </p:sp>
+      <p:sp>
+        <p:nvSpPr>
+          <p:cNvPr id="57" name="Alternate Process 56"/>
+          <p:cNvSpPr/>
+          <p:nvPr/>
+        </p:nvSpPr>
+        <p:spPr>
+          <a:xfrm>
+            <a:off x="20244722" y="5653488"/>
+            <a:ext cx="3376327" cy="1729322"/>
+          </a:xfrm>
+          <a:prstGeom prst="flowChartAlternateProcess">
+            <a:avLst/>
+          </a:prstGeom>
+        </p:spPr>
+        <p:style>
+          <a:lnRef idx="1">
+            <a:schemeClr val="accent1"/>
+          </a:lnRef>
+          <a:fillRef idx="3">
+            <a:schemeClr val="accent1"/>
+          </a:fillRef>
+          <a:effectRef idx="2">
+            <a:schemeClr val="accent1"/>
+          </a:effectRef>
+          <a:fontRef idx="minor">
+            <a:schemeClr val="lt1"/>
+          </a:fontRef>
+        </p:style>
+        <p:txBody>
+          <a:bodyPr rtlCol="0" anchor="ctr"/>
+          <a:lstStyle/>
+          <a:p>
+            <a:pPr algn="ctr"/>
+            <a:r>
+              <a:rPr lang="en-US" sz="3200" dirty="0" smtClean="0"/>
+              <a:t>Microprocessor</a:t>
+            </a:r>
+          </a:p>
+        </p:txBody>
+      </p:sp>
+      <p:sp>
+        <p:nvSpPr>
+          <p:cNvPr id="58" name="Alternate Process 57"/>
+          <p:cNvSpPr/>
+          <p:nvPr/>
+        </p:nvSpPr>
+        <p:spPr>
+          <a:xfrm>
+            <a:off x="25464701" y="5722645"/>
+            <a:ext cx="3376327" cy="1729322"/>
+          </a:xfrm>
+          <a:prstGeom prst="flowChartAlternateProcess">
+            <a:avLst/>
+          </a:prstGeom>
+        </p:spPr>
+        <p:style>
+          <a:lnRef idx="1">
+            <a:schemeClr val="accent1"/>
+          </a:lnRef>
+          <a:fillRef idx="3">
+            <a:schemeClr val="accent1"/>
+          </a:fillRef>
+          <a:effectRef idx="2">
+            <a:schemeClr val="accent1"/>
+          </a:effectRef>
+          <a:fontRef idx="minor">
+            <a:schemeClr val="lt1"/>
+          </a:fontRef>
+        </p:style>
+        <p:txBody>
+          <a:bodyPr rtlCol="0" anchor="ctr"/>
+          <a:lstStyle/>
+          <a:p>
+            <a:pPr algn="ctr"/>
+            <a:r>
+              <a:rPr lang="en-US" sz="3200" dirty="0" smtClean="0"/>
+              <a:t>Screen</a:t>
+            </a:r>
+          </a:p>
+        </p:txBody>
+      </p:sp>
+      <p:sp>
+        <p:nvSpPr>
+          <p:cNvPr id="59" name="TextBox 58"/>
           <p:cNvSpPr txBox="1"/>
           <p:nvPr/>
         </p:nvSpPr>
         <p:spPr>
           <a:xfrm>
-            <a:off x="14874134" y="5443046"/>
-            <a:ext cx="6907908" cy="5262979"/>
+            <a:off x="15332406" y="25751135"/>
+            <a:ext cx="13130753" cy="1569660"/>
           </a:xfrm>
           <a:prstGeom prst="rect">
             <a:avLst/>
@@ -4560,79 +5135,24 @@
           </a:bodyPr>
           <a:lstStyle/>
           <a:p>
-            <a:pPr algn="just"/>
             <a:r>
               <a:rPr lang="en-US" sz="2400" dirty="0" smtClean="0"/>
-              <a:t>The real estate that the digital dash unit took up on the physical dash needed to be minimal. This requirement dictated two large design choices:</a:t>
-            </a:r>
-          </a:p>
-          <a:p>
-            <a:pPr marL="342900" indent="-342900" algn="just">
-              <a:buFont typeface="Arial"/>
-              <a:buChar char="•"/>
-            </a:pPr>
-            <a:r>
-              <a:rPr lang="en-US" sz="2400" dirty="0" smtClean="0"/>
-              <a:t>The 3.5” Display Size</a:t>
-            </a:r>
-          </a:p>
-          <a:p>
-            <a:pPr marL="342900" indent="-342900" algn="just">
-              <a:buFont typeface="Arial"/>
-              <a:buChar char="•"/>
-            </a:pPr>
-            <a:r>
-              <a:rPr lang="en-US" sz="2400" dirty="0" smtClean="0"/>
-              <a:t>The custom PCB to cut down size</a:t>
-            </a:r>
-          </a:p>
-          <a:p>
-            <a:pPr marL="342900" indent="-342900" algn="just">
-              <a:buFont typeface="Arial"/>
-              <a:buChar char="•"/>
-            </a:pPr>
+              <a:t>The 4D Systems screen came with a useful piece of software to aide the quick creation of GUIs. The screen receives values from the mainboard through a serial connection. The GUI was created to be simple and intuitive. The designed GUI also utilizes the resistive touch capability of the screen in order to flip through a couple different submenus that include further information that a driver might want.</a:t>
+            </a:r>
             <a:endParaRPr lang="en-US" sz="2400" dirty="0"/>
           </a:p>
-          <a:p>
-            <a:pPr algn="just"/>
-            <a:r>
-              <a:rPr lang="en-US" sz="2400" dirty="0" smtClean="0"/>
-              <a:t>The entire system was first prototyped using an </a:t>
-            </a:r>
-            <a:r>
-              <a:rPr lang="en-US" sz="2400" dirty="0" err="1" smtClean="0"/>
-              <a:t>Arduino</a:t>
-            </a:r>
-            <a:r>
-              <a:rPr lang="en-US" sz="2400" dirty="0" smtClean="0"/>
-              <a:t> Due which was slightly too large for the solution we had in mind. The screen was slightly smaller than the LCD and the </a:t>
-            </a:r>
-            <a:r>
-              <a:rPr lang="en-US" sz="2400" dirty="0" err="1" smtClean="0"/>
-              <a:t>Arduino</a:t>
-            </a:r>
-            <a:r>
-              <a:rPr lang="en-US" sz="2400" dirty="0" smtClean="0"/>
-              <a:t> Due would have a lot of wires plugging into the screen. We wanted our device to be as plug-and-play as possible so we created a custom PCB that would plug directly into the LCD with no “</a:t>
-            </a:r>
-            <a:r>
-              <a:rPr lang="en-US" sz="2400" smtClean="0"/>
-              <a:t>mod wires”.</a:t>
-            </a:r>
-            <a:endParaRPr lang="en-US" sz="2400" dirty="0"/>
-          </a:p>
-        </p:txBody>
-      </p:sp>
-      <p:sp>
-        <p:nvSpPr>
-          <p:cNvPr id="12" name="TextBox 11"/>
+        </p:txBody>
+      </p:sp>
+      <p:sp>
+        <p:nvSpPr>
+          <p:cNvPr id="33" name="TextBox 32"/>
           <p:cNvSpPr txBox="1"/>
           <p:nvPr/>
         </p:nvSpPr>
         <p:spPr>
           <a:xfrm>
-            <a:off x="30623080" y="16109421"/>
-            <a:ext cx="7585430" cy="461665"/>
+            <a:off x="1034454" y="15451557"/>
+            <a:ext cx="6115075" cy="830997"/>
           </a:xfrm>
           <a:prstGeom prst="rect">
             <a:avLst/>
@@ -4647,11 +5167,17 @@
           <a:p>
             <a:r>
               <a:rPr lang="en-US" sz="2400" dirty="0" smtClean="0"/>
-              <a:t>The digital dash can be installed on the VMS </a:t>
-            </a:r>
-            <a:r>
-              <a:rPr lang="en-US" sz="2400" smtClean="0"/>
-              <a:t>car if it works.</a:t>
+              <a:t>Currently there is no commercially ready digital</a:t>
+            </a:r>
+          </a:p>
+          <a:p>
+            <a:r>
+              <a:rPr lang="en-US" sz="2400" dirty="0"/>
+              <a:t>d</a:t>
+            </a:r>
+            <a:r>
+              <a:rPr lang="en-US" sz="2400" dirty="0" smtClean="0"/>
+              <a:t>ash unit </a:t>
             </a:r>
             <a:endParaRPr lang="en-US" sz="2400" dirty="0"/>
           </a:p>
